--- a/Slides 2020/9. 코드 분석 2.pptx
+++ b/Slides 2020/9. 코드 분석 2.pptx
@@ -9,7 +9,7 @@
   </p:notesMasterIdLst>
   <p:sldIdLst>
     <p:sldId id="344" r:id="rId2"/>
-    <p:sldId id="372" r:id="rId3"/>
+    <p:sldId id="899" r:id="rId3"/>
     <p:sldId id="415" r:id="rId4"/>
     <p:sldId id="421" r:id="rId5"/>
     <p:sldId id="417" r:id="rId6"/>
@@ -221,7 +221,7 @@
           <a:p>
             <a:fld id="{3A51E6CB-1B67-49CD-819C-CBD1F8F15839}" type="datetimeFigureOut">
               <a:rPr lang="ko-KR" altLang="en-US" smtClean="0"/>
-              <a:t>2019-10-18</a:t>
+              <a:t>2020-11-08</a:t>
             </a:fld>
             <a:endParaRPr lang="ko-KR" altLang="en-US"/>
           </a:p>
@@ -703,7 +703,7 @@
           <a:p>
             <a:fld id="{1EA80F27-E9B9-4A8E-9A59-01CCB3F43850}" type="datetime1">
               <a:rPr lang="ko-KR" altLang="en-US" smtClean="0"/>
-              <a:t>2019-10-18</a:t>
+              <a:t>2020-11-08</a:t>
             </a:fld>
             <a:endParaRPr lang="ko-KR" altLang="en-US"/>
           </a:p>
@@ -919,7 +919,7 @@
           <a:p>
             <a:fld id="{7E5363F8-22A8-407F-82B0-EFC1D1C22895}" type="datetime1">
               <a:rPr lang="ko-KR" altLang="en-US" smtClean="0"/>
-              <a:t>2019-10-18</a:t>
+              <a:t>2020-11-08</a:t>
             </a:fld>
             <a:endParaRPr lang="ko-KR" altLang="en-US"/>
           </a:p>
@@ -1099,7 +1099,7 @@
           <a:p>
             <a:fld id="{8187739B-8E74-4F06-BBD0-F6D670C1F7A1}" type="datetime1">
               <a:rPr lang="ko-KR" altLang="en-US" smtClean="0"/>
-              <a:t>2019-10-18</a:t>
+              <a:t>2020-11-08</a:t>
             </a:fld>
             <a:endParaRPr lang="ko-KR" altLang="en-US"/>
           </a:p>
@@ -1200,7 +1200,7 @@
           <a:p>
             <a:fld id="{170798F3-F6A9-4876-8D5A-30BE2843F4A2}" type="datetime1">
               <a:rPr lang="ko-KR" altLang="en-US" smtClean="0"/>
-              <a:t>2019-10-18</a:t>
+              <a:t>2020-11-08</a:t>
             </a:fld>
             <a:endParaRPr lang="ko-KR" altLang="en-US"/>
           </a:p>
@@ -1444,7 +1444,7 @@
           <a:p>
             <a:fld id="{947C39E4-F1C0-46F5-93CB-857C8C3AEB8D}" type="datetime1">
               <a:rPr lang="ko-KR" altLang="en-US" smtClean="0"/>
-              <a:t>2019-10-18</a:t>
+              <a:t>2020-11-08</a:t>
             </a:fld>
             <a:endParaRPr lang="ko-KR" altLang="en-US"/>
           </a:p>
@@ -1688,7 +1688,7 @@
           <a:p>
             <a:fld id="{7818271D-E6C7-4286-B2FD-D9AA53F1E428}" type="datetime1">
               <a:rPr lang="ko-KR" altLang="en-US" smtClean="0"/>
-              <a:t>2019-10-18</a:t>
+              <a:t>2020-11-08</a:t>
             </a:fld>
             <a:endParaRPr lang="ko-KR" altLang="en-US"/>
           </a:p>
@@ -1920,7 +1920,7 @@
           <a:p>
             <a:fld id="{8CE3C26B-F624-420D-BF9D-391E2E695B27}" type="datetime1">
               <a:rPr lang="ko-KR" altLang="en-US" smtClean="0"/>
-              <a:t>2019-10-18</a:t>
+              <a:t>2020-11-08</a:t>
             </a:fld>
             <a:endParaRPr lang="ko-KR" altLang="en-US"/>
           </a:p>
@@ -2287,7 +2287,7 @@
           <a:p>
             <a:fld id="{A1FC83CE-7AD5-4A20-9998-54C7F9F05545}" type="datetime1">
               <a:rPr lang="ko-KR" altLang="en-US" smtClean="0"/>
-              <a:t>2019-10-18</a:t>
+              <a:t>2020-11-08</a:t>
             </a:fld>
             <a:endParaRPr lang="ko-KR" altLang="en-US"/>
           </a:p>
@@ -2405,7 +2405,7 @@
           <a:p>
             <a:fld id="{3A3E22EA-EB96-4ADF-ABA9-A693E5F7BB1E}" type="datetime1">
               <a:rPr lang="ko-KR" altLang="en-US" smtClean="0"/>
-              <a:t>2019-10-18</a:t>
+              <a:t>2020-11-08</a:t>
             </a:fld>
             <a:endParaRPr lang="ko-KR" altLang="en-US"/>
           </a:p>
@@ -2500,7 +2500,7 @@
           <a:p>
             <a:fld id="{0D5BD961-86A8-440A-8C4E-52B6CA6FECED}" type="datetime1">
               <a:rPr lang="ko-KR" altLang="en-US" smtClean="0"/>
-              <a:t>2019-10-18</a:t>
+              <a:t>2020-11-08</a:t>
             </a:fld>
             <a:endParaRPr lang="ko-KR" altLang="en-US"/>
           </a:p>
@@ -2777,7 +2777,7 @@
           <a:p>
             <a:fld id="{CD151CC0-1347-483B-8708-01772054FA68}" type="datetime1">
               <a:rPr lang="ko-KR" altLang="en-US" smtClean="0"/>
-              <a:t>2019-10-18</a:t>
+              <a:t>2020-11-08</a:t>
             </a:fld>
             <a:endParaRPr lang="ko-KR" altLang="en-US"/>
           </a:p>
@@ -3034,7 +3034,7 @@
           <a:p>
             <a:fld id="{57185993-49E6-4096-BF26-930E741DA796}" type="datetime1">
               <a:rPr lang="ko-KR" altLang="en-US" smtClean="0"/>
-              <a:t>2019-10-18</a:t>
+              <a:t>2020-11-08</a:t>
             </a:fld>
             <a:endParaRPr lang="ko-KR" altLang="en-US"/>
           </a:p>
@@ -3250,7 +3250,7 @@
           <a:p>
             <a:fld id="{170798F3-F6A9-4876-8D5A-30BE2843F4A2}" type="datetime1">
               <a:rPr lang="ko-KR" altLang="en-US" smtClean="0"/>
-              <a:t>2019-10-18</a:t>
+              <a:t>2020-11-08</a:t>
             </a:fld>
             <a:endParaRPr lang="ko-KR" altLang="en-US"/>
           </a:p>
@@ -6025,7 +6025,13 @@
       </p:grpSpPr>
       <p:sp>
         <p:nvSpPr>
-          <p:cNvPr id="2" name="제목 1"/>
+          <p:cNvPr id="2" name="제목 1">
+            <a:extLst>
+              <a:ext uri="{FF2B5EF4-FFF2-40B4-BE49-F238E27FC236}">
+                <a16:creationId xmlns:a16="http://schemas.microsoft.com/office/drawing/2014/main" id="{B3A55D83-17FD-4584-B188-03E01F468C5F}"/>
+              </a:ext>
+            </a:extLst>
+          </p:cNvPr>
           <p:cNvSpPr>
             <a:spLocks noGrp="1"/>
           </p:cNvSpPr>
@@ -6040,1974 +6046,215 @@
           <a:p>
             <a:r>
               <a:rPr lang="ko-KR" altLang="en-US" dirty="0"/>
-              <a:t>강의 일정 </a:t>
+              <a:t>개인 과제 </a:t>
             </a:r>
             <a:r>
               <a:rPr lang="en-US" altLang="ko-KR" dirty="0"/>
-              <a:t>(updated)</a:t>
+              <a:t>#6</a:t>
             </a:r>
             <a:endParaRPr lang="ko-KR" altLang="en-US" dirty="0"/>
           </a:p>
         </p:txBody>
       </p:sp>
-      <p:graphicFrame>
-        <p:nvGraphicFramePr>
-          <p:cNvPr id="4" name="내용 개체 틀 3"/>
-          <p:cNvGraphicFramePr>
-            <a:graphicFrameLocks noGrp="1"/>
-          </p:cNvGraphicFramePr>
+      <p:sp>
+        <p:nvSpPr>
+          <p:cNvPr id="3" name="내용 개체 틀 2">
+            <a:extLst>
+              <a:ext uri="{FF2B5EF4-FFF2-40B4-BE49-F238E27FC236}">
+                <a16:creationId xmlns:a16="http://schemas.microsoft.com/office/drawing/2014/main" id="{6382539C-0B76-47B9-9488-FDEA70C9B954}"/>
+              </a:ext>
+            </a:extLst>
+          </p:cNvPr>
+          <p:cNvSpPr>
+            <a:spLocks noGrp="1"/>
+          </p:cNvSpPr>
           <p:nvPr>
             <p:ph idx="1"/>
-            <p:extLst>
-              <p:ext uri="{D42A27DB-BD31-4B8C-83A1-F6EECF244321}">
-                <p14:modId xmlns:p14="http://schemas.microsoft.com/office/powerpoint/2010/main" val="2739026296"/>
-              </p:ext>
-            </p:extLst>
-          </p:nvPr>
-        </p:nvGraphicFramePr>
-        <p:xfrm>
-          <a:off x="387405" y="1078658"/>
-          <a:ext cx="8353426" cy="5155093"/>
-        </p:xfrm>
-        <a:graphic>
-          <a:graphicData uri="http://schemas.openxmlformats.org/drawingml/2006/table">
-            <a:tbl>
-              <a:tblPr firstRow="1" bandRow="1">
-                <a:tableStyleId>{5C22544A-7EE6-4342-B048-85BDC9FD1C3A}</a:tableStyleId>
-              </a:tblPr>
-              <a:tblGrid>
-                <a:gridCol w="1137948">
-                  <a:extLst>
-                    <a:ext uri="{9D8B030D-6E8A-4147-A177-3AD203B41FA5}">
-                      <a16:colId xmlns:a16="http://schemas.microsoft.com/office/drawing/2014/main" val="4079619587"/>
-                    </a:ext>
-                  </a:extLst>
-                </a:gridCol>
-                <a:gridCol w="3607739">
-                  <a:extLst>
-                    <a:ext uri="{9D8B030D-6E8A-4147-A177-3AD203B41FA5}">
-                      <a16:colId xmlns:a16="http://schemas.microsoft.com/office/drawing/2014/main" val="2625429840"/>
-                    </a:ext>
-                  </a:extLst>
-                </a:gridCol>
-                <a:gridCol w="3607739">
-                  <a:extLst>
-                    <a:ext uri="{9D8B030D-6E8A-4147-A177-3AD203B41FA5}">
-                      <a16:colId xmlns:a16="http://schemas.microsoft.com/office/drawing/2014/main" val="1599299322"/>
-                    </a:ext>
-                  </a:extLst>
-                </a:gridCol>
-              </a:tblGrid>
-              <a:tr h="361775">
-                <a:tc>
-                  <a:txBody>
-                    <a:bodyPr/>
-                    <a:lstStyle/>
-                    <a:p>
-                      <a:pPr algn="ctr" latinLnBrk="1"/>
-                      <a:r>
-                        <a:rPr lang="ko-KR" altLang="en-US" sz="1400" dirty="0"/>
-                        <a:t>주차</a:t>
-                      </a:r>
-                    </a:p>
-                  </a:txBody>
-                  <a:tcPr anchor="ctr"/>
-                </a:tc>
-                <a:tc>
-                  <a:txBody>
-                    <a:bodyPr/>
-                    <a:lstStyle/>
-                    <a:p>
-                      <a:pPr algn="ctr" latinLnBrk="1"/>
-                      <a:r>
-                        <a:rPr lang="ko-KR" altLang="en-US" sz="1400" dirty="0"/>
-                        <a:t>월 </a:t>
-                      </a:r>
-                      <a:r>
-                        <a:rPr lang="en-US" altLang="ko-KR" sz="1400" dirty="0"/>
-                        <a:t>(100</a:t>
-                      </a:r>
-                      <a:r>
-                        <a:rPr lang="ko-KR" altLang="en-US" sz="1400" dirty="0"/>
-                        <a:t>분</a:t>
-                      </a:r>
-                      <a:r>
-                        <a:rPr lang="en-US" altLang="ko-KR" sz="1400" dirty="0"/>
-                        <a:t>)</a:t>
-                      </a:r>
-                      <a:endParaRPr lang="ko-KR" altLang="en-US" sz="1400" dirty="0"/>
-                    </a:p>
-                  </a:txBody>
-                  <a:tcPr anchor="ctr"/>
-                </a:tc>
-                <a:tc>
-                  <a:txBody>
-                    <a:bodyPr/>
-                    <a:lstStyle/>
-                    <a:p>
-                      <a:pPr algn="ctr" latinLnBrk="1"/>
-                      <a:r>
-                        <a:rPr lang="ko-KR" altLang="en-US" sz="1400" dirty="0"/>
-                        <a:t>수 </a:t>
-                      </a:r>
-                      <a:r>
-                        <a:rPr lang="en-US" altLang="ko-KR" sz="1400" dirty="0"/>
-                        <a:t>(50</a:t>
-                      </a:r>
-                      <a:r>
-                        <a:rPr lang="ko-KR" altLang="en-US" sz="1400" dirty="0"/>
-                        <a:t>분</a:t>
-                      </a:r>
-                      <a:r>
-                        <a:rPr lang="en-US" altLang="ko-KR" sz="1400" dirty="0"/>
-                        <a:t>)</a:t>
-                      </a:r>
-                      <a:endParaRPr lang="ko-KR" altLang="en-US" sz="1400" dirty="0"/>
-                    </a:p>
-                  </a:txBody>
-                  <a:tcPr anchor="ctr"/>
-                </a:tc>
-                <a:extLst>
-                  <a:ext uri="{0D108BD9-81ED-4DB2-BD59-A6C34878D82A}">
-                    <a16:rowId xmlns:a16="http://schemas.microsoft.com/office/drawing/2014/main" val="276385721"/>
-                  </a:ext>
-                </a:extLst>
-              </a:tr>
-              <a:tr h="316051">
-                <a:tc>
-                  <a:txBody>
-                    <a:bodyPr/>
-                    <a:lstStyle/>
-                    <a:p>
-                      <a:pPr algn="r" fontAlgn="ctr"/>
-                      <a:r>
-                        <a:rPr lang="en-US" altLang="ko-KR" sz="1100" b="0" i="0" u="none" strike="noStrike" dirty="0">
-                          <a:solidFill>
-                            <a:srgbClr val="000000"/>
-                          </a:solidFill>
-                          <a:effectLst/>
-                          <a:latin typeface="맑은 고딕" panose="020B0503020000020004" pitchFamily="50" charset="-127"/>
-                          <a:ea typeface="맑은 고딕" panose="020B0503020000020004" pitchFamily="50" charset="-127"/>
-                        </a:rPr>
-                        <a:t>1 (9/1)</a:t>
-                      </a:r>
-                    </a:p>
-                  </a:txBody>
-                  <a:tcPr marL="9525" marR="9525" marT="9525" marB="0" anchor="ctr"/>
-                </a:tc>
-                <a:tc>
-                  <a:txBody>
-                    <a:bodyPr/>
-                    <a:lstStyle/>
-                    <a:p>
-                      <a:pPr algn="ctr" fontAlgn="ctr"/>
-                      <a:r>
-                        <a:rPr lang="en-US" sz="1100" b="0" i="0" u="none" strike="noStrike" dirty="0">
-                          <a:solidFill>
-                            <a:srgbClr val="000000"/>
-                          </a:solidFill>
-                          <a:effectLst/>
-                          <a:latin typeface="맑은 고딕" panose="020B0503020000020004" pitchFamily="50" charset="-127"/>
-                          <a:ea typeface="맑은 고딕" panose="020B0503020000020004" pitchFamily="50" charset="-127"/>
-                        </a:rPr>
-                        <a:t>Introduction</a:t>
-                      </a:r>
-                    </a:p>
-                  </a:txBody>
-                  <a:tcPr marL="9525" marR="9525" marT="9525" marB="0" anchor="ctr"/>
-                </a:tc>
-                <a:tc>
-                  <a:txBody>
-                    <a:bodyPr/>
-                    <a:lstStyle/>
-                    <a:p>
-                      <a:pPr algn="ctr" fontAlgn="ctr"/>
-                      <a:r>
-                        <a:rPr lang="en-US" altLang="ko-KR" sz="1100" b="0" i="0" u="none" strike="noStrike" dirty="0">
-                          <a:solidFill>
-                            <a:srgbClr val="000000"/>
-                          </a:solidFill>
-                          <a:effectLst/>
-                          <a:latin typeface="맑은 고딕" panose="020B0503020000020004" pitchFamily="50" charset="-127"/>
-                          <a:ea typeface="맑은 고딕" panose="020B0503020000020004" pitchFamily="50" charset="-127"/>
-                        </a:rPr>
-                        <a:t>OSS</a:t>
-                      </a:r>
-                      <a:r>
-                        <a:rPr lang="ko-KR" altLang="en-US" sz="1100" b="0" i="0" u="none" strike="noStrike" dirty="0">
-                          <a:solidFill>
-                            <a:srgbClr val="000000"/>
-                          </a:solidFill>
-                          <a:effectLst/>
-                          <a:latin typeface="맑은 고딕" panose="020B0503020000020004" pitchFamily="50" charset="-127"/>
-                          <a:ea typeface="맑은 고딕" panose="020B0503020000020004" pitchFamily="50" charset="-127"/>
-                        </a:rPr>
-                        <a:t> 역사 </a:t>
-                      </a:r>
-                      <a:r>
-                        <a:rPr lang="en-US" altLang="ko-KR" sz="1100" b="0" i="0" u="none" strike="noStrike" dirty="0">
-                          <a:solidFill>
-                            <a:srgbClr val="000000"/>
-                          </a:solidFill>
-                          <a:effectLst/>
-                          <a:latin typeface="맑은 고딕" panose="020B0503020000020004" pitchFamily="50" charset="-127"/>
-                          <a:ea typeface="맑은 고딕" panose="020B0503020000020004" pitchFamily="50" charset="-127"/>
-                        </a:rPr>
-                        <a:t>1</a:t>
-                      </a:r>
-                    </a:p>
-                  </a:txBody>
-                  <a:tcPr marL="9525" marR="9525" marT="9525" marB="0" anchor="ctr"/>
-                </a:tc>
-                <a:extLst>
-                  <a:ext uri="{0D108BD9-81ED-4DB2-BD59-A6C34878D82A}">
-                    <a16:rowId xmlns:a16="http://schemas.microsoft.com/office/drawing/2014/main" val="475938863"/>
-                  </a:ext>
-                </a:extLst>
-              </a:tr>
-              <a:tr h="316051">
-                <a:tc>
-                  <a:txBody>
-                    <a:bodyPr/>
-                    <a:lstStyle/>
-                    <a:p>
-                      <a:pPr algn="r" fontAlgn="ctr"/>
-                      <a:r>
-                        <a:rPr lang="en-US" altLang="ko-KR" sz="1100" b="0" i="0" u="none" strike="noStrike" dirty="0">
-                          <a:solidFill>
-                            <a:srgbClr val="000000"/>
-                          </a:solidFill>
-                          <a:effectLst/>
-                          <a:latin typeface="맑은 고딕" panose="020B0503020000020004" pitchFamily="50" charset="-127"/>
-                          <a:ea typeface="맑은 고딕" panose="020B0503020000020004" pitchFamily="50" charset="-127"/>
-                        </a:rPr>
-                        <a:t>2</a:t>
-                      </a:r>
-                    </a:p>
-                  </a:txBody>
-                  <a:tcPr marL="9525" marR="9525" marT="9525" marB="0" anchor="ctr"/>
-                </a:tc>
-                <a:tc>
-                  <a:txBody>
-                    <a:bodyPr/>
-                    <a:lstStyle/>
-                    <a:p>
-                      <a:pPr algn="ctr" fontAlgn="ctr"/>
-                      <a:r>
-                        <a:rPr lang="en-US" altLang="ko-KR" sz="1100" b="0" i="0" u="none" strike="noStrike" dirty="0">
-                          <a:solidFill>
-                            <a:srgbClr val="000000"/>
-                          </a:solidFill>
-                          <a:effectLst/>
-                          <a:latin typeface="맑은 고딕" panose="020B0503020000020004" pitchFamily="50" charset="-127"/>
-                          <a:ea typeface="+mn-ea"/>
-                        </a:rPr>
-                        <a:t>OSS</a:t>
-                      </a:r>
-                      <a:r>
-                        <a:rPr lang="ko-KR" altLang="en-US" sz="1100" b="0" i="0" u="none" strike="noStrike" dirty="0">
-                          <a:solidFill>
-                            <a:srgbClr val="000000"/>
-                          </a:solidFill>
-                          <a:effectLst/>
-                          <a:latin typeface="맑은 고딕" panose="020B0503020000020004" pitchFamily="50" charset="-127"/>
-                          <a:ea typeface="+mn-ea"/>
-                        </a:rPr>
-                        <a:t> 역사 </a:t>
-                      </a:r>
-                      <a:r>
-                        <a:rPr lang="en-US" altLang="ko-KR" sz="1100" b="0" i="0" u="none" strike="noStrike" dirty="0">
-                          <a:solidFill>
-                            <a:srgbClr val="000000"/>
-                          </a:solidFill>
-                          <a:effectLst/>
-                          <a:latin typeface="맑은 고딕" panose="020B0503020000020004" pitchFamily="50" charset="-127"/>
-                          <a:ea typeface="+mn-ea"/>
-                        </a:rPr>
-                        <a:t>2 / OSS</a:t>
-                      </a:r>
-                      <a:r>
-                        <a:rPr lang="ko-KR" altLang="en-US" sz="1100" b="0" i="0" u="none" strike="noStrike" dirty="0">
-                          <a:solidFill>
-                            <a:srgbClr val="000000"/>
-                          </a:solidFill>
-                          <a:effectLst/>
-                          <a:latin typeface="맑은 고딕" panose="020B0503020000020004" pitchFamily="50" charset="-127"/>
-                          <a:ea typeface="+mn-ea"/>
-                        </a:rPr>
-                        <a:t> 개요 </a:t>
-                      </a:r>
-                      <a:r>
-                        <a:rPr lang="en-US" altLang="ko-KR" sz="1100" b="0" i="0" u="none" strike="noStrike" dirty="0">
-                          <a:solidFill>
-                            <a:srgbClr val="000000"/>
-                          </a:solidFill>
-                          <a:effectLst/>
-                          <a:latin typeface="맑은 고딕" panose="020B0503020000020004" pitchFamily="50" charset="-127"/>
-                          <a:ea typeface="+mn-ea"/>
-                        </a:rPr>
-                        <a:t>1</a:t>
-                      </a:r>
-                    </a:p>
-                  </a:txBody>
-                  <a:tcPr marL="9525" marR="9525" marT="9525" marB="0" anchor="ctr"/>
-                </a:tc>
-                <a:tc>
-                  <a:txBody>
-                    <a:bodyPr/>
-                    <a:lstStyle/>
-                    <a:p>
-                      <a:pPr algn="ctr" fontAlgn="ctr"/>
-                      <a:r>
-                        <a:rPr lang="ko-KR" altLang="en-US" sz="1100" b="0" i="0" u="none" strike="noStrike" dirty="0">
-                          <a:solidFill>
-                            <a:srgbClr val="FF0000"/>
-                          </a:solidFill>
-                          <a:effectLst/>
-                          <a:latin typeface="맑은 고딕" panose="020B0503020000020004" pitchFamily="50" charset="-127"/>
-                          <a:ea typeface="+mn-ea"/>
-                        </a:rPr>
-                        <a:t>추석</a:t>
-                      </a:r>
-                    </a:p>
-                  </a:txBody>
-                  <a:tcPr marL="9525" marR="9525" marT="9525" marB="0" anchor="ctr"/>
-                </a:tc>
-                <a:extLst>
-                  <a:ext uri="{0D108BD9-81ED-4DB2-BD59-A6C34878D82A}">
-                    <a16:rowId xmlns:a16="http://schemas.microsoft.com/office/drawing/2014/main" val="2700577287"/>
-                  </a:ext>
-                </a:extLst>
-              </a:tr>
-              <a:tr h="316051">
-                <a:tc>
-                  <a:txBody>
-                    <a:bodyPr/>
-                    <a:lstStyle/>
-                    <a:p>
-                      <a:pPr algn="r" fontAlgn="ctr"/>
-                      <a:r>
-                        <a:rPr lang="en-US" altLang="ko-KR" sz="1100" b="0" i="0" u="none" strike="noStrike" dirty="0">
-                          <a:solidFill>
-                            <a:srgbClr val="000000"/>
-                          </a:solidFill>
-                          <a:effectLst/>
-                          <a:latin typeface="맑은 고딕" panose="020B0503020000020004" pitchFamily="50" charset="-127"/>
-                          <a:ea typeface="맑은 고딕" panose="020B0503020000020004" pitchFamily="50" charset="-127"/>
-                        </a:rPr>
-                        <a:t>3</a:t>
-                      </a:r>
-                    </a:p>
-                  </a:txBody>
-                  <a:tcPr marL="9525" marR="9525" marT="9525" marB="0" anchor="ctr"/>
-                </a:tc>
-                <a:tc>
-                  <a:txBody>
-                    <a:bodyPr/>
-                    <a:lstStyle/>
-                    <a:p>
-                      <a:pPr algn="ctr" fontAlgn="ctr"/>
-                      <a:r>
-                        <a:rPr lang="en-US" altLang="ko-KR" sz="1100" b="0" i="0" u="none" strike="noStrike" dirty="0">
-                          <a:solidFill>
-                            <a:srgbClr val="000000"/>
-                          </a:solidFill>
-                          <a:effectLst/>
-                          <a:latin typeface="맑은 고딕" panose="020B0503020000020004" pitchFamily="50" charset="-127"/>
-                          <a:ea typeface="맑은 고딕" panose="020B0503020000020004" pitchFamily="50" charset="-127"/>
-                        </a:rPr>
-                        <a:t>OSS </a:t>
-                      </a:r>
-                      <a:r>
-                        <a:rPr lang="ko-KR" altLang="en-US" sz="1100" b="0" i="0" u="none" strike="noStrike" dirty="0">
-                          <a:solidFill>
-                            <a:srgbClr val="000000"/>
-                          </a:solidFill>
-                          <a:effectLst/>
-                          <a:latin typeface="맑은 고딕" panose="020B0503020000020004" pitchFamily="50" charset="-127"/>
-                          <a:ea typeface="맑은 고딕" panose="020B0503020000020004" pitchFamily="50" charset="-127"/>
-                        </a:rPr>
-                        <a:t>개요 </a:t>
-                      </a:r>
-                      <a:r>
-                        <a:rPr lang="en-US" altLang="ko-KR" sz="1100" b="0" i="0" u="none" strike="noStrike" dirty="0">
-                          <a:solidFill>
-                            <a:srgbClr val="000000"/>
-                          </a:solidFill>
-                          <a:effectLst/>
-                          <a:latin typeface="맑은 고딕" panose="020B0503020000020004" pitchFamily="50" charset="-127"/>
-                          <a:ea typeface="맑은 고딕" panose="020B0503020000020004" pitchFamily="50" charset="-127"/>
-                        </a:rPr>
-                        <a:t>2 / OSS </a:t>
-                      </a:r>
-                      <a:r>
-                        <a:rPr lang="ko-KR" altLang="en-US" sz="1100" b="0" i="0" u="none" strike="noStrike" dirty="0">
-                          <a:solidFill>
-                            <a:srgbClr val="000000"/>
-                          </a:solidFill>
-                          <a:effectLst/>
-                          <a:latin typeface="맑은 고딕" panose="020B0503020000020004" pitchFamily="50" charset="-127"/>
-                          <a:ea typeface="맑은 고딕" panose="020B0503020000020004" pitchFamily="50" charset="-127"/>
-                        </a:rPr>
-                        <a:t>라이선스 </a:t>
-                      </a:r>
-                      <a:r>
-                        <a:rPr lang="en-US" altLang="ko-KR" sz="1100" b="0" i="0" u="none" strike="noStrike" dirty="0">
-                          <a:solidFill>
-                            <a:srgbClr val="000000"/>
-                          </a:solidFill>
-                          <a:effectLst/>
-                          <a:latin typeface="맑은 고딕" panose="020B0503020000020004" pitchFamily="50" charset="-127"/>
-                          <a:ea typeface="맑은 고딕" panose="020B0503020000020004" pitchFamily="50" charset="-127"/>
-                        </a:rPr>
-                        <a:t>1</a:t>
-                      </a:r>
-                    </a:p>
-                  </a:txBody>
-                  <a:tcPr marL="9525" marR="9525" marT="9525" marB="0" anchor="ctr"/>
-                </a:tc>
-                <a:tc>
-                  <a:txBody>
-                    <a:bodyPr/>
-                    <a:lstStyle/>
-                    <a:p>
-                      <a:pPr algn="ctr" fontAlgn="ctr"/>
-                      <a:r>
-                        <a:rPr lang="en-US" altLang="ko-KR" sz="1100" b="0" i="0" u="none" strike="noStrike" dirty="0">
-                          <a:solidFill>
-                            <a:srgbClr val="000000"/>
-                          </a:solidFill>
-                          <a:effectLst/>
-                          <a:latin typeface="맑은 고딕" panose="020B0503020000020004" pitchFamily="50" charset="-127"/>
-                          <a:ea typeface="맑은 고딕" panose="020B0503020000020004" pitchFamily="50" charset="-127"/>
-                        </a:rPr>
-                        <a:t>OSS </a:t>
-                      </a:r>
-                      <a:r>
-                        <a:rPr lang="ko-KR" altLang="en-US" sz="1100" b="0" i="0" u="none" strike="noStrike" dirty="0">
-                          <a:solidFill>
-                            <a:srgbClr val="000000"/>
-                          </a:solidFill>
-                          <a:effectLst/>
-                          <a:latin typeface="맑은 고딕" panose="020B0503020000020004" pitchFamily="50" charset="-127"/>
-                          <a:ea typeface="맑은 고딕" panose="020B0503020000020004" pitchFamily="50" charset="-127"/>
-                        </a:rPr>
-                        <a:t>라이선스 </a:t>
-                      </a:r>
-                      <a:r>
-                        <a:rPr lang="en-US" altLang="ko-KR" sz="1100" b="0" i="0" u="none" strike="noStrike" dirty="0">
-                          <a:solidFill>
-                            <a:srgbClr val="000000"/>
-                          </a:solidFill>
-                          <a:effectLst/>
-                          <a:latin typeface="맑은 고딕" panose="020B0503020000020004" pitchFamily="50" charset="-127"/>
-                          <a:ea typeface="맑은 고딕" panose="020B0503020000020004" pitchFamily="50" charset="-127"/>
-                        </a:rPr>
-                        <a:t>2</a:t>
-                      </a:r>
-                      <a:endParaRPr lang="ko-KR" altLang="en-US" sz="1100" b="0" i="0" u="none" strike="noStrike" dirty="0">
-                        <a:solidFill>
-                          <a:srgbClr val="000000"/>
-                        </a:solidFill>
-                        <a:effectLst/>
-                        <a:latin typeface="맑은 고딕" panose="020B0503020000020004" pitchFamily="50" charset="-127"/>
-                        <a:ea typeface="맑은 고딕" panose="020B0503020000020004" pitchFamily="50" charset="-127"/>
-                      </a:endParaRPr>
-                    </a:p>
-                  </a:txBody>
-                  <a:tcPr marL="9525" marR="9525" marT="9525" marB="0" anchor="ctr"/>
-                </a:tc>
-                <a:extLst>
-                  <a:ext uri="{0D108BD9-81ED-4DB2-BD59-A6C34878D82A}">
-                    <a16:rowId xmlns:a16="http://schemas.microsoft.com/office/drawing/2014/main" val="4062224445"/>
-                  </a:ext>
-                </a:extLst>
-              </a:tr>
-              <a:tr h="316051">
-                <a:tc>
-                  <a:txBody>
-                    <a:bodyPr/>
-                    <a:lstStyle/>
-                    <a:p>
-                      <a:pPr algn="r" fontAlgn="ctr"/>
-                      <a:r>
-                        <a:rPr lang="en-US" altLang="ko-KR" sz="1100" b="0" i="0" u="none" strike="noStrike" dirty="0">
-                          <a:solidFill>
-                            <a:srgbClr val="000000"/>
-                          </a:solidFill>
-                          <a:effectLst/>
-                          <a:latin typeface="맑은 고딕" panose="020B0503020000020004" pitchFamily="50" charset="-127"/>
-                          <a:ea typeface="맑은 고딕" panose="020B0503020000020004" pitchFamily="50" charset="-127"/>
-                        </a:rPr>
-                        <a:t>4</a:t>
-                      </a:r>
-                    </a:p>
-                  </a:txBody>
-                  <a:tcPr marL="9525" marR="9525" marT="9525" marB="0" anchor="ctr"/>
-                </a:tc>
-                <a:tc>
-                  <a:txBody>
-                    <a:bodyPr/>
-                    <a:lstStyle/>
-                    <a:p>
-                      <a:pPr algn="ctr" fontAlgn="ctr"/>
-                      <a:r>
-                        <a:rPr lang="en-US" altLang="ko-KR" sz="1100" b="0" i="0" u="none" strike="noStrike" dirty="0">
-                          <a:solidFill>
-                            <a:srgbClr val="000000"/>
-                          </a:solidFill>
-                          <a:effectLst/>
-                          <a:latin typeface="맑은 고딕" panose="020B0503020000020004" pitchFamily="50" charset="-127"/>
-                          <a:ea typeface="맑은 고딕" panose="020B0503020000020004" pitchFamily="50" charset="-127"/>
-                        </a:rPr>
-                        <a:t>OSS </a:t>
-                      </a:r>
-                      <a:r>
-                        <a:rPr lang="ko-KR" altLang="en-US" sz="1100" b="0" i="0" u="none" strike="noStrike" dirty="0">
-                          <a:solidFill>
-                            <a:srgbClr val="000000"/>
-                          </a:solidFill>
-                          <a:effectLst/>
-                          <a:latin typeface="맑은 고딕" panose="020B0503020000020004" pitchFamily="50" charset="-127"/>
-                          <a:ea typeface="맑은 고딕" panose="020B0503020000020004" pitchFamily="50" charset="-127"/>
-                        </a:rPr>
-                        <a:t>활용 방법 </a:t>
-                      </a:r>
-                      <a:r>
-                        <a:rPr lang="en-US" altLang="ko-KR" sz="1100" b="0" i="0" u="none" strike="noStrike" dirty="0">
-                          <a:solidFill>
-                            <a:srgbClr val="000000"/>
-                          </a:solidFill>
-                          <a:effectLst/>
-                          <a:latin typeface="맑은 고딕" panose="020B0503020000020004" pitchFamily="50" charset="-127"/>
-                          <a:ea typeface="맑은 고딕" panose="020B0503020000020004" pitchFamily="50" charset="-127"/>
-                        </a:rPr>
-                        <a:t>/ </a:t>
-                      </a:r>
-                      <a:r>
-                        <a:rPr lang="ko-KR" altLang="en-US" sz="1100" b="0" i="0" u="none" strike="noStrike" dirty="0">
-                          <a:solidFill>
-                            <a:srgbClr val="000000"/>
-                          </a:solidFill>
-                          <a:effectLst/>
-                          <a:latin typeface="맑은 고딕" panose="020B0503020000020004" pitchFamily="50" charset="-127"/>
-                          <a:ea typeface="맑은 고딕" panose="020B0503020000020004" pitchFamily="50" charset="-127"/>
-                        </a:rPr>
-                        <a:t>버전 관리 도구 </a:t>
-                      </a:r>
-                      <a:r>
-                        <a:rPr lang="en-US" altLang="ko-KR" sz="1100" b="0" i="0" u="none" strike="noStrike" dirty="0">
-                          <a:solidFill>
-                            <a:srgbClr val="000000"/>
-                          </a:solidFill>
-                          <a:effectLst/>
-                          <a:latin typeface="맑은 고딕" panose="020B0503020000020004" pitchFamily="50" charset="-127"/>
-                          <a:ea typeface="맑은 고딕" panose="020B0503020000020004" pitchFamily="50" charset="-127"/>
-                        </a:rPr>
-                        <a:t>Git</a:t>
-                      </a:r>
-                      <a:r>
-                        <a:rPr lang="ko-KR" altLang="en-US" sz="1100" b="0" i="0" u="none" strike="noStrike" dirty="0">
-                          <a:solidFill>
-                            <a:srgbClr val="000000"/>
-                          </a:solidFill>
-                          <a:effectLst/>
-                          <a:latin typeface="맑은 고딕" panose="020B0503020000020004" pitchFamily="50" charset="-127"/>
-                          <a:ea typeface="맑은 고딕" panose="020B0503020000020004" pitchFamily="50" charset="-127"/>
-                        </a:rPr>
-                        <a:t> </a:t>
-                      </a:r>
-                      <a:r>
-                        <a:rPr lang="en-US" altLang="ko-KR" sz="1100" b="0" i="0" u="none" strike="noStrike" dirty="0">
-                          <a:solidFill>
-                            <a:srgbClr val="000000"/>
-                          </a:solidFill>
-                          <a:effectLst/>
-                          <a:latin typeface="맑은 고딕" panose="020B0503020000020004" pitchFamily="50" charset="-127"/>
-                          <a:ea typeface="맑은 고딕" panose="020B0503020000020004" pitchFamily="50" charset="-127"/>
-                        </a:rPr>
-                        <a:t>1</a:t>
-                      </a:r>
-                    </a:p>
-                  </a:txBody>
-                  <a:tcPr marL="9525" marR="9525" marT="9525" marB="0" anchor="ctr"/>
-                </a:tc>
-                <a:tc>
-                  <a:txBody>
-                    <a:bodyPr/>
-                    <a:lstStyle/>
-                    <a:p>
-                      <a:pPr algn="ctr" fontAlgn="ctr"/>
-                      <a:r>
-                        <a:rPr lang="ko-KR" altLang="en-US" sz="1100" b="0" i="0" u="none" strike="noStrike" dirty="0">
-                          <a:solidFill>
-                            <a:srgbClr val="000000"/>
-                          </a:solidFill>
-                          <a:effectLst/>
-                          <a:latin typeface="맑은 고딕" panose="020B0503020000020004" pitchFamily="50" charset="-127"/>
-                          <a:ea typeface="+mn-ea"/>
-                        </a:rPr>
-                        <a:t>버전 관리 도구 </a:t>
-                      </a:r>
-                      <a:r>
-                        <a:rPr lang="en-US" altLang="ko-KR" sz="1100" b="0" i="0" u="none" strike="noStrike" dirty="0">
-                          <a:solidFill>
-                            <a:srgbClr val="000000"/>
-                          </a:solidFill>
-                          <a:effectLst/>
-                          <a:latin typeface="맑은 고딕" panose="020B0503020000020004" pitchFamily="50" charset="-127"/>
-                          <a:ea typeface="+mn-ea"/>
-                        </a:rPr>
-                        <a:t>Git 2</a:t>
-                      </a:r>
-                    </a:p>
-                  </a:txBody>
-                  <a:tcPr marL="9525" marR="9525" marT="9525" marB="0" anchor="ctr"/>
-                </a:tc>
-                <a:extLst>
-                  <a:ext uri="{0D108BD9-81ED-4DB2-BD59-A6C34878D82A}">
-                    <a16:rowId xmlns:a16="http://schemas.microsoft.com/office/drawing/2014/main" val="2748419094"/>
-                  </a:ext>
-                </a:extLst>
-              </a:tr>
-              <a:tr h="316051">
-                <a:tc>
-                  <a:txBody>
-                    <a:bodyPr/>
-                    <a:lstStyle/>
-                    <a:p>
-                      <a:pPr algn="r" fontAlgn="ctr"/>
-                      <a:r>
-                        <a:rPr lang="en-US" altLang="ko-KR" sz="1100" b="0" i="0" u="none" strike="noStrike" dirty="0">
-                          <a:solidFill>
-                            <a:srgbClr val="000000"/>
-                          </a:solidFill>
-                          <a:effectLst/>
-                          <a:latin typeface="맑은 고딕" panose="020B0503020000020004" pitchFamily="50" charset="-127"/>
-                          <a:ea typeface="맑은 고딕" panose="020B0503020000020004" pitchFamily="50" charset="-127"/>
-                        </a:rPr>
-                        <a:t>5 (9/30)</a:t>
-                      </a:r>
-                    </a:p>
-                  </a:txBody>
-                  <a:tcPr marL="9525" marR="9525" marT="9525" marB="0" anchor="ctr"/>
-                </a:tc>
-                <a:tc>
-                  <a:txBody>
-                    <a:bodyPr/>
-                    <a:lstStyle/>
-                    <a:p>
-                      <a:pPr algn="ctr" fontAlgn="ctr"/>
-                      <a:r>
-                        <a:rPr lang="ko-KR" altLang="en-US" sz="1100" b="0" i="0" u="none" strike="noStrike" dirty="0">
-                          <a:solidFill>
-                            <a:srgbClr val="000000"/>
-                          </a:solidFill>
-                          <a:effectLst/>
-                          <a:latin typeface="맑은 고딕" panose="020B0503020000020004" pitchFamily="50" charset="-127"/>
-                          <a:ea typeface="+mn-ea"/>
-                        </a:rPr>
-                        <a:t>버전 관리 도구 </a:t>
-                      </a:r>
-                      <a:r>
-                        <a:rPr lang="en-US" altLang="ko-KR" sz="1100" b="0" i="0" u="none" strike="noStrike" dirty="0">
-                          <a:solidFill>
-                            <a:srgbClr val="000000"/>
-                          </a:solidFill>
-                          <a:effectLst/>
-                          <a:latin typeface="맑은 고딕" panose="020B0503020000020004" pitchFamily="50" charset="-127"/>
-                          <a:ea typeface="+mn-ea"/>
-                        </a:rPr>
-                        <a:t>Git</a:t>
-                      </a:r>
-                      <a:r>
-                        <a:rPr lang="ko-KR" altLang="en-US" sz="1100" b="0" i="0" u="none" strike="noStrike" dirty="0">
-                          <a:solidFill>
-                            <a:srgbClr val="000000"/>
-                          </a:solidFill>
-                          <a:effectLst/>
-                          <a:latin typeface="맑은 고딕" panose="020B0503020000020004" pitchFamily="50" charset="-127"/>
-                          <a:ea typeface="+mn-ea"/>
-                        </a:rPr>
-                        <a:t> </a:t>
-                      </a:r>
-                      <a:r>
-                        <a:rPr lang="en-US" altLang="ko-KR" sz="1100" b="0" i="0" u="none" strike="noStrike" dirty="0">
-                          <a:solidFill>
-                            <a:srgbClr val="000000"/>
-                          </a:solidFill>
-                          <a:effectLst/>
-                          <a:latin typeface="맑은 고딕" panose="020B0503020000020004" pitchFamily="50" charset="-127"/>
-                          <a:ea typeface="+mn-ea"/>
-                        </a:rPr>
-                        <a:t>3</a:t>
-                      </a:r>
-                    </a:p>
-                  </a:txBody>
-                  <a:tcPr marL="9525" marR="9525" marT="9525" marB="0" anchor="ctr"/>
-                </a:tc>
-                <a:tc>
-                  <a:txBody>
-                    <a:bodyPr/>
-                    <a:lstStyle/>
-                    <a:p>
-                      <a:pPr algn="ctr" fontAlgn="ctr"/>
-                      <a:r>
-                        <a:rPr lang="ko-KR" altLang="en-US" sz="1100" b="0" i="0" u="none" strike="noStrike" dirty="0">
-                          <a:solidFill>
-                            <a:srgbClr val="000000"/>
-                          </a:solidFill>
-                          <a:effectLst/>
-                          <a:latin typeface="맑은 고딕" panose="020B0503020000020004" pitchFamily="50" charset="-127"/>
-                          <a:ea typeface="+mn-ea"/>
-                        </a:rPr>
-                        <a:t>버전 관리 도구 </a:t>
-                      </a:r>
-                      <a:r>
-                        <a:rPr lang="en-US" altLang="ko-KR" sz="1100" b="0" i="0" u="none" strike="noStrike" dirty="0">
-                          <a:solidFill>
-                            <a:srgbClr val="000000"/>
-                          </a:solidFill>
-                          <a:effectLst/>
-                          <a:latin typeface="맑은 고딕" panose="020B0503020000020004" pitchFamily="50" charset="-127"/>
-                          <a:ea typeface="+mn-ea"/>
-                        </a:rPr>
-                        <a:t>Git 4</a:t>
-                      </a:r>
-                    </a:p>
-                  </a:txBody>
-                  <a:tcPr marL="9525" marR="9525" marT="9525" marB="0" anchor="ctr"/>
-                </a:tc>
-                <a:extLst>
-                  <a:ext uri="{0D108BD9-81ED-4DB2-BD59-A6C34878D82A}">
-                    <a16:rowId xmlns:a16="http://schemas.microsoft.com/office/drawing/2014/main" val="814556900"/>
-                  </a:ext>
-                </a:extLst>
-              </a:tr>
-              <a:tr h="316051">
-                <a:tc>
-                  <a:txBody>
-                    <a:bodyPr/>
-                    <a:lstStyle/>
-                    <a:p>
-                      <a:pPr algn="r" fontAlgn="ctr"/>
-                      <a:r>
-                        <a:rPr lang="en-US" altLang="ko-KR" sz="1100" b="0" i="0" u="none" strike="noStrike" dirty="0">
-                          <a:solidFill>
-                            <a:srgbClr val="000000"/>
-                          </a:solidFill>
-                          <a:effectLst/>
-                          <a:latin typeface="맑은 고딕" panose="020B0503020000020004" pitchFamily="50" charset="-127"/>
-                          <a:ea typeface="맑은 고딕" panose="020B0503020000020004" pitchFamily="50" charset="-127"/>
-                        </a:rPr>
-                        <a:t>6</a:t>
-                      </a:r>
-                    </a:p>
-                  </a:txBody>
-                  <a:tcPr marL="9525" marR="9525" marT="9525" marB="0" anchor="ctr"/>
-                </a:tc>
-                <a:tc>
-                  <a:txBody>
-                    <a:bodyPr/>
-                    <a:lstStyle/>
-                    <a:p>
-                      <a:pPr algn="ctr" fontAlgn="ctr"/>
-                      <a:r>
-                        <a:rPr lang="ko-KR" altLang="en-US" sz="1100" b="0" i="0" u="none" strike="noStrike" dirty="0">
-                          <a:solidFill>
-                            <a:srgbClr val="000000"/>
-                          </a:solidFill>
-                          <a:effectLst/>
-                          <a:latin typeface="맑은 고딕" panose="020B0503020000020004" pitchFamily="50" charset="-127"/>
-                          <a:ea typeface="+mn-ea"/>
-                        </a:rPr>
-                        <a:t>버전 관리 도구 </a:t>
-                      </a:r>
-                      <a:r>
-                        <a:rPr lang="en-US" altLang="ko-KR" sz="1100" b="0" i="0" u="none" strike="noStrike" dirty="0">
-                          <a:solidFill>
-                            <a:srgbClr val="000000"/>
-                          </a:solidFill>
-                          <a:effectLst/>
-                          <a:latin typeface="맑은 고딕" panose="020B0503020000020004" pitchFamily="50" charset="-127"/>
-                          <a:ea typeface="+mn-ea"/>
-                        </a:rPr>
-                        <a:t>Git 5</a:t>
-                      </a:r>
-                    </a:p>
-                  </a:txBody>
-                  <a:tcPr marL="9525" marR="9525" marT="9525" marB="0" anchor="ctr"/>
-                </a:tc>
-                <a:tc>
-                  <a:txBody>
-                    <a:bodyPr/>
-                    <a:lstStyle/>
-                    <a:p>
-                      <a:pPr algn="ctr" fontAlgn="ctr"/>
-                      <a:r>
-                        <a:rPr lang="ko-KR" altLang="en-US" sz="1100" b="0" i="0" u="none" strike="noStrike" dirty="0">
-                          <a:solidFill>
-                            <a:srgbClr val="FF0000"/>
-                          </a:solidFill>
-                          <a:effectLst/>
-                          <a:latin typeface="맑은 고딕" panose="020B0503020000020004" pitchFamily="50" charset="-127"/>
-                          <a:ea typeface="맑은 고딕" panose="020B0503020000020004" pitchFamily="50" charset="-127"/>
-                        </a:rPr>
-                        <a:t>한글날</a:t>
-                      </a:r>
-                      <a:endParaRPr lang="en-US" altLang="ko-KR" sz="1100" b="0" i="0" u="none" strike="noStrike" dirty="0">
-                        <a:solidFill>
-                          <a:srgbClr val="FF0000"/>
-                        </a:solidFill>
-                        <a:effectLst/>
-                        <a:latin typeface="맑은 고딕" panose="020B0503020000020004" pitchFamily="50" charset="-127"/>
-                        <a:ea typeface="맑은 고딕" panose="020B0503020000020004" pitchFamily="50" charset="-127"/>
-                      </a:endParaRPr>
-                    </a:p>
-                  </a:txBody>
-                  <a:tcPr marL="9525" marR="9525" marT="9525" marB="0" anchor="ctr"/>
-                </a:tc>
-                <a:extLst>
-                  <a:ext uri="{0D108BD9-81ED-4DB2-BD59-A6C34878D82A}">
-                    <a16:rowId xmlns:a16="http://schemas.microsoft.com/office/drawing/2014/main" val="2908590043"/>
-                  </a:ext>
-                </a:extLst>
-              </a:tr>
-              <a:tr h="316051">
-                <a:tc>
-                  <a:txBody>
-                    <a:bodyPr/>
-                    <a:lstStyle/>
-                    <a:p>
-                      <a:pPr algn="r" fontAlgn="ctr"/>
-                      <a:r>
-                        <a:rPr lang="en-US" altLang="ko-KR" sz="1100" b="0" i="0" u="none" strike="noStrike" dirty="0">
-                          <a:solidFill>
-                            <a:srgbClr val="000000"/>
-                          </a:solidFill>
-                          <a:effectLst/>
-                          <a:latin typeface="맑은 고딕" panose="020B0503020000020004" pitchFamily="50" charset="-127"/>
-                          <a:ea typeface="맑은 고딕" panose="020B0503020000020004" pitchFamily="50" charset="-127"/>
-                        </a:rPr>
-                        <a:t>7</a:t>
-                      </a:r>
-                    </a:p>
-                  </a:txBody>
-                  <a:tcPr marL="9525" marR="9525" marT="9525" marB="0" anchor="ctr"/>
-                </a:tc>
-                <a:tc>
-                  <a:txBody>
-                    <a:bodyPr/>
-                    <a:lstStyle/>
-                    <a:p>
-                      <a:pPr algn="ctr" fontAlgn="ctr"/>
-                      <a:r>
-                        <a:rPr lang="ko-KR" altLang="en-US" sz="1100" b="1" i="0" u="none" strike="noStrike" dirty="0">
-                          <a:solidFill>
-                            <a:srgbClr val="FF0000"/>
-                          </a:solidFill>
-                          <a:effectLst/>
-                          <a:latin typeface="맑은 고딕" panose="020B0503020000020004" pitchFamily="50" charset="-127"/>
-                          <a:ea typeface="+mn-ea"/>
-                        </a:rPr>
-                        <a:t>특강 </a:t>
-                      </a:r>
-                      <a:r>
-                        <a:rPr lang="en-US" altLang="ko-KR" sz="1100" b="1" i="0" u="none" strike="noStrike" dirty="0">
-                          <a:solidFill>
-                            <a:srgbClr val="FF0000"/>
-                          </a:solidFill>
-                          <a:effectLst/>
-                          <a:latin typeface="맑은 고딕" panose="020B0503020000020004" pitchFamily="50" charset="-127"/>
-                          <a:ea typeface="+mn-ea"/>
-                        </a:rPr>
-                        <a:t>1 (10/14)</a:t>
-                      </a:r>
-                    </a:p>
-                  </a:txBody>
-                  <a:tcPr marL="9525" marR="9525" marT="9525" marB="0" anchor="ctr"/>
-                </a:tc>
-                <a:tc>
-                  <a:txBody>
-                    <a:bodyPr/>
-                    <a:lstStyle/>
-                    <a:p>
-                      <a:pPr algn="ctr" fontAlgn="ctr"/>
-                      <a:r>
-                        <a:rPr lang="ko-KR" altLang="en-US" sz="1100" b="0" i="0" u="none" strike="noStrike" dirty="0">
-                          <a:solidFill>
-                            <a:srgbClr val="000000"/>
-                          </a:solidFill>
-                          <a:effectLst/>
-                          <a:latin typeface="맑은 고딕" panose="020B0503020000020004" pitchFamily="50" charset="-127"/>
-                          <a:ea typeface="+mn-ea"/>
-                        </a:rPr>
-                        <a:t>코드 분석 </a:t>
-                      </a:r>
-                      <a:r>
-                        <a:rPr lang="en-US" altLang="ko-KR" sz="1100" b="0" i="0" u="none" strike="noStrike" dirty="0">
-                          <a:solidFill>
-                            <a:srgbClr val="000000"/>
-                          </a:solidFill>
-                          <a:effectLst/>
-                          <a:latin typeface="맑은 고딕" panose="020B0503020000020004" pitchFamily="50" charset="-127"/>
-                          <a:ea typeface="+mn-ea"/>
-                        </a:rPr>
-                        <a:t>1</a:t>
-                      </a:r>
-                    </a:p>
-                  </a:txBody>
-                  <a:tcPr marL="9525" marR="9525" marT="9525" marB="0" anchor="ctr">
-                    <a:solidFill>
-                      <a:schemeClr val="accent5">
-                        <a:lumMod val="20000"/>
-                        <a:lumOff val="80000"/>
-                      </a:schemeClr>
-                    </a:solidFill>
-                  </a:tcPr>
-                </a:tc>
-                <a:extLst>
-                  <a:ext uri="{0D108BD9-81ED-4DB2-BD59-A6C34878D82A}">
-                    <a16:rowId xmlns:a16="http://schemas.microsoft.com/office/drawing/2014/main" val="4222617544"/>
-                  </a:ext>
-                </a:extLst>
-              </a:tr>
-              <a:tr h="316051">
-                <a:tc>
-                  <a:txBody>
-                    <a:bodyPr/>
-                    <a:lstStyle/>
-                    <a:p>
-                      <a:pPr algn="r" fontAlgn="ctr"/>
-                      <a:r>
-                        <a:rPr lang="en-US" altLang="ko-KR" sz="1100" b="0" i="0" u="none" strike="noStrike" dirty="0">
-                          <a:solidFill>
-                            <a:srgbClr val="000000"/>
-                          </a:solidFill>
-                          <a:effectLst/>
-                          <a:latin typeface="맑은 고딕" panose="020B0503020000020004" pitchFamily="50" charset="-127"/>
-                          <a:ea typeface="맑은 고딕" panose="020B0503020000020004" pitchFamily="50" charset="-127"/>
-                        </a:rPr>
-                        <a:t>8 (10/21)</a:t>
-                      </a:r>
-                    </a:p>
-                  </a:txBody>
-                  <a:tcPr marL="9525" marR="9525" marT="9525" marB="0" anchor="ctr"/>
-                </a:tc>
-                <a:tc>
-                  <a:txBody>
-                    <a:bodyPr/>
-                    <a:lstStyle/>
-                    <a:p>
-                      <a:pPr algn="ctr" fontAlgn="ctr"/>
-                      <a:r>
-                        <a:rPr lang="ko-KR" altLang="en-US" sz="1100" b="0" i="0" u="none" strike="noStrike" dirty="0">
-                          <a:solidFill>
-                            <a:srgbClr val="FF0000"/>
-                          </a:solidFill>
-                          <a:effectLst/>
-                          <a:latin typeface="맑은 고딕" panose="020B0503020000020004" pitchFamily="50" charset="-127"/>
-                          <a:ea typeface="맑은 고딕" panose="020B0503020000020004" pitchFamily="50" charset="-127"/>
-                        </a:rPr>
-                        <a:t>중간고사</a:t>
-                      </a:r>
-                    </a:p>
-                  </a:txBody>
-                  <a:tcPr marL="9525" marR="9525" marT="9525" marB="0" anchor="ctr"/>
-                </a:tc>
-                <a:tc>
-                  <a:txBody>
-                    <a:bodyPr/>
-                    <a:lstStyle/>
-                    <a:p>
-                      <a:pPr algn="ctr" fontAlgn="ctr"/>
-                      <a:r>
-                        <a:rPr lang="ko-KR" altLang="en-US" sz="1100" b="0" i="0" u="none" strike="noStrike" kern="1200" dirty="0">
-                          <a:solidFill>
-                            <a:srgbClr val="000000"/>
-                          </a:solidFill>
-                          <a:effectLst/>
-                          <a:latin typeface="맑은 고딕" panose="020B0503020000020004" pitchFamily="50" charset="-127"/>
-                          <a:ea typeface="+mn-ea"/>
-                          <a:cs typeface="+mn-cs"/>
-                        </a:rPr>
-                        <a:t>개인 프로젝트 </a:t>
-                      </a:r>
-                      <a:r>
-                        <a:rPr lang="en-US" altLang="ko-KR" sz="1100" b="0" i="0" u="none" strike="noStrike" kern="1200" dirty="0">
-                          <a:solidFill>
-                            <a:srgbClr val="000000"/>
-                          </a:solidFill>
-                          <a:effectLst/>
-                          <a:latin typeface="맑은 고딕" panose="020B0503020000020004" pitchFamily="50" charset="-127"/>
-                          <a:ea typeface="+mn-ea"/>
-                          <a:cs typeface="+mn-cs"/>
-                        </a:rPr>
-                        <a:t>1 : </a:t>
-                      </a:r>
-                      <a:r>
-                        <a:rPr lang="ko-KR" altLang="en-US" sz="1100" b="0" i="0" u="none" strike="noStrike" kern="1200" dirty="0">
-                          <a:solidFill>
-                            <a:srgbClr val="000000"/>
-                          </a:solidFill>
-                          <a:effectLst/>
-                          <a:latin typeface="맑은 고딕" panose="020B0503020000020004" pitchFamily="50" charset="-127"/>
-                          <a:ea typeface="+mn-ea"/>
-                          <a:cs typeface="+mn-cs"/>
-                        </a:rPr>
-                        <a:t>프로젝트 선정 및 계획 마감</a:t>
-                      </a:r>
-                      <a:r>
-                        <a:rPr lang="en-US" altLang="ko-KR" sz="1100" b="0" i="0" u="none" strike="noStrike" kern="1200" dirty="0">
-                          <a:solidFill>
-                            <a:srgbClr val="000000"/>
-                          </a:solidFill>
-                          <a:effectLst/>
-                          <a:latin typeface="맑은 고딕" panose="020B0503020000020004" pitchFamily="50" charset="-127"/>
-                          <a:ea typeface="+mn-ea"/>
-                          <a:cs typeface="+mn-cs"/>
-                        </a:rPr>
-                        <a:t> (</a:t>
-                      </a:r>
-                      <a:r>
-                        <a:rPr lang="ko-KR" altLang="en-US" sz="1100" b="0" i="0" u="none" strike="noStrike" kern="1200" dirty="0">
-                          <a:solidFill>
-                            <a:srgbClr val="000000"/>
-                          </a:solidFill>
-                          <a:effectLst/>
-                          <a:latin typeface="맑은 고딕" panose="020B0503020000020004" pitchFamily="50" charset="-127"/>
-                          <a:ea typeface="+mn-ea"/>
-                          <a:cs typeface="+mn-cs"/>
-                        </a:rPr>
-                        <a:t>휴강</a:t>
-                      </a:r>
-                      <a:r>
-                        <a:rPr lang="en-US" altLang="ko-KR" sz="1100" b="0" i="0" u="none" strike="noStrike" kern="1200" dirty="0">
-                          <a:solidFill>
-                            <a:srgbClr val="000000"/>
-                          </a:solidFill>
-                          <a:effectLst/>
-                          <a:latin typeface="맑은 고딕" panose="020B0503020000020004" pitchFamily="50" charset="-127"/>
-                          <a:ea typeface="+mn-ea"/>
-                          <a:cs typeface="+mn-cs"/>
-                        </a:rPr>
-                        <a:t>)</a:t>
-                      </a:r>
-                      <a:endParaRPr lang="ko-KR" altLang="en-US" sz="1100" b="0" i="0" u="none" strike="noStrike" dirty="0">
-                        <a:solidFill>
-                          <a:srgbClr val="FF0000"/>
-                        </a:solidFill>
-                        <a:effectLst/>
-                        <a:latin typeface="맑은 고딕" panose="020B0503020000020004" pitchFamily="50" charset="-127"/>
-                        <a:ea typeface="맑은 고딕" panose="020B0503020000020004" pitchFamily="50" charset="-127"/>
-                      </a:endParaRPr>
-                    </a:p>
-                  </a:txBody>
-                  <a:tcPr marL="9525" marR="9525" marT="9525" marB="0" anchor="ctr">
-                    <a:lnB w="12700" cmpd="sng">
-                      <a:noFill/>
-                    </a:lnB>
-                    <a:solidFill>
-                      <a:schemeClr val="accent4"/>
-                    </a:solidFill>
-                  </a:tcPr>
-                </a:tc>
-                <a:extLst>
-                  <a:ext uri="{0D108BD9-81ED-4DB2-BD59-A6C34878D82A}">
-                    <a16:rowId xmlns:a16="http://schemas.microsoft.com/office/drawing/2014/main" val="2117078907"/>
-                  </a:ext>
-                </a:extLst>
-              </a:tr>
-              <a:tr h="316051">
-                <a:tc>
-                  <a:txBody>
-                    <a:bodyPr/>
-                    <a:lstStyle/>
-                    <a:p>
-                      <a:pPr algn="r" fontAlgn="ctr"/>
-                      <a:r>
-                        <a:rPr lang="en-US" altLang="ko-KR" sz="1100" b="0" i="0" u="none" strike="noStrike" dirty="0">
-                          <a:solidFill>
-                            <a:srgbClr val="000000"/>
-                          </a:solidFill>
-                          <a:effectLst/>
-                          <a:latin typeface="맑은 고딕" panose="020B0503020000020004" pitchFamily="50" charset="-127"/>
-                          <a:ea typeface="맑은 고딕" panose="020B0503020000020004" pitchFamily="50" charset="-127"/>
-                        </a:rPr>
-                        <a:t>9</a:t>
-                      </a:r>
-                    </a:p>
-                  </a:txBody>
-                  <a:tcPr marL="9525" marR="9525" marT="9525" marB="0" anchor="ctr"/>
-                </a:tc>
-                <a:tc>
-                  <a:txBody>
-                    <a:bodyPr/>
-                    <a:lstStyle/>
-                    <a:p>
-                      <a:pPr algn="ctr" fontAlgn="ctr"/>
-                      <a:r>
-                        <a:rPr lang="ko-KR" altLang="en-US" sz="1100" b="1" i="0" u="none" strike="noStrike" dirty="0">
-                          <a:solidFill>
-                            <a:srgbClr val="FF0000"/>
-                          </a:solidFill>
-                          <a:effectLst/>
-                          <a:latin typeface="맑은 고딕" panose="020B0503020000020004" pitchFamily="50" charset="-127"/>
-                          <a:ea typeface="맑은 고딕" panose="020B0503020000020004" pitchFamily="50" charset="-127"/>
-                        </a:rPr>
-                        <a:t>특강 </a:t>
-                      </a:r>
-                      <a:r>
-                        <a:rPr lang="en-US" altLang="ko-KR" sz="1100" b="1" i="0" u="none" strike="noStrike" dirty="0">
-                          <a:solidFill>
-                            <a:srgbClr val="FF0000"/>
-                          </a:solidFill>
-                          <a:effectLst/>
-                          <a:latin typeface="맑은 고딕" panose="020B0503020000020004" pitchFamily="50" charset="-127"/>
-                          <a:ea typeface="맑은 고딕" panose="020B0503020000020004" pitchFamily="50" charset="-127"/>
-                        </a:rPr>
-                        <a:t>2 (10/28)</a:t>
-                      </a:r>
-                    </a:p>
-                  </a:txBody>
-                  <a:tcPr marL="9525" marR="9525" marT="9525" marB="0" anchor="ctr">
-                    <a:lnR w="12700" cmpd="sng">
-                      <a:noFill/>
-                    </a:lnR>
-                  </a:tcPr>
-                </a:tc>
-                <a:tc>
-                  <a:txBody>
-                    <a:bodyPr/>
-                    <a:lstStyle/>
-                    <a:p>
-                      <a:pPr marL="0" algn="ctr" defTabSz="914400" rtl="0" eaLnBrk="1" fontAlgn="ctr" latinLnBrk="1" hangingPunct="1"/>
-                      <a:r>
-                        <a:rPr lang="ko-KR" altLang="en-US" sz="1100" b="0" i="0" u="none" strike="noStrike" kern="1200" dirty="0">
-                          <a:solidFill>
-                            <a:srgbClr val="000000"/>
-                          </a:solidFill>
-                          <a:effectLst/>
-                          <a:latin typeface="맑은 고딕" panose="020B0503020000020004" pitchFamily="50" charset="-127"/>
-                          <a:ea typeface="맑은 고딕" panose="020B0503020000020004" pitchFamily="50" charset="-127"/>
-                          <a:cs typeface="+mn-cs"/>
-                        </a:rPr>
-                        <a:t>코드 분석 </a:t>
-                      </a:r>
-                      <a:r>
-                        <a:rPr lang="en-US" altLang="ko-KR" sz="1100" b="0" i="0" u="none" strike="noStrike" kern="1200" dirty="0">
-                          <a:solidFill>
-                            <a:srgbClr val="000000"/>
-                          </a:solidFill>
-                          <a:effectLst/>
-                          <a:latin typeface="맑은 고딕" panose="020B0503020000020004" pitchFamily="50" charset="-127"/>
-                          <a:ea typeface="맑은 고딕" panose="020B0503020000020004" pitchFamily="50" charset="-127"/>
-                          <a:cs typeface="+mn-cs"/>
-                        </a:rPr>
-                        <a:t>2</a:t>
-                      </a:r>
-                    </a:p>
-                  </a:txBody>
-                  <a:tcPr marL="9525" marR="9525" marT="9525" marB="0" anchor="ctr">
-                    <a:lnL w="12700" cmpd="sng">
-                      <a:noFill/>
-                    </a:lnL>
-                    <a:lnR w="12700" cmpd="sng">
-                      <a:noFill/>
-                    </a:lnR>
-                    <a:lnT w="12700" cmpd="sng">
-                      <a:noFill/>
-                    </a:lnT>
-                    <a:lnB w="12700" cmpd="sng">
-                      <a:noFill/>
-                    </a:lnB>
-                    <a:lnTlToBr w="12700" cmpd="sng">
-                      <a:noFill/>
-                      <a:prstDash val="solid"/>
-                    </a:lnTlToBr>
-                    <a:lnBlToTr w="12700" cmpd="sng">
-                      <a:noFill/>
-                      <a:prstDash val="solid"/>
-                    </a:lnBlToTr>
-                    <a:solidFill>
-                      <a:schemeClr val="accent5">
-                        <a:lumMod val="20000"/>
-                        <a:lumOff val="80000"/>
-                      </a:schemeClr>
-                    </a:solidFill>
-                  </a:tcPr>
-                </a:tc>
-                <a:extLst>
-                  <a:ext uri="{0D108BD9-81ED-4DB2-BD59-A6C34878D82A}">
-                    <a16:rowId xmlns:a16="http://schemas.microsoft.com/office/drawing/2014/main" val="1318025886"/>
-                  </a:ext>
-                </a:extLst>
-              </a:tr>
-              <a:tr h="316051">
-                <a:tc>
-                  <a:txBody>
-                    <a:bodyPr/>
-                    <a:lstStyle/>
-                    <a:p>
-                      <a:pPr algn="r" fontAlgn="ctr"/>
-                      <a:r>
-                        <a:rPr lang="en-US" altLang="ko-KR" sz="1100" b="0" i="0" u="none" strike="noStrike" dirty="0">
-                          <a:solidFill>
-                            <a:srgbClr val="000000"/>
-                          </a:solidFill>
-                          <a:effectLst/>
-                          <a:latin typeface="맑은 고딕" panose="020B0503020000020004" pitchFamily="50" charset="-127"/>
-                          <a:ea typeface="맑은 고딕" panose="020B0503020000020004" pitchFamily="50" charset="-127"/>
-                        </a:rPr>
-                        <a:t>10 (11/4)</a:t>
-                      </a:r>
-                    </a:p>
-                  </a:txBody>
-                  <a:tcPr marL="9525" marR="9525" marT="9525" marB="0" anchor="ctr"/>
-                </a:tc>
-                <a:tc>
-                  <a:txBody>
-                    <a:bodyPr/>
-                    <a:lstStyle/>
-                    <a:p>
-                      <a:pPr marL="0" marR="0" lvl="0" indent="0" algn="ctr" defTabSz="914400" rtl="0" eaLnBrk="1" fontAlgn="ctr" latinLnBrk="1" hangingPunct="1">
-                        <a:lnSpc>
-                          <a:spcPct val="100000"/>
-                        </a:lnSpc>
-                        <a:spcBef>
-                          <a:spcPts val="0"/>
-                        </a:spcBef>
-                        <a:spcAft>
-                          <a:spcPts val="0"/>
-                        </a:spcAft>
-                        <a:buClrTx/>
-                        <a:buSzTx/>
-                        <a:buFontTx/>
-                        <a:buNone/>
-                        <a:tabLst/>
-                        <a:defRPr/>
-                      </a:pPr>
-                      <a:r>
-                        <a:rPr lang="ko-KR" altLang="en-US" sz="1100" b="0" i="0" u="none" strike="noStrike" dirty="0">
-                          <a:solidFill>
-                            <a:srgbClr val="000000"/>
-                          </a:solidFill>
-                          <a:effectLst/>
-                          <a:latin typeface="맑은 고딕" panose="020B0503020000020004" pitchFamily="50" charset="-127"/>
-                          <a:ea typeface="+mn-ea"/>
-                        </a:rPr>
-                        <a:t>클라우드를 이용한 개발 환경 구축 </a:t>
-                      </a:r>
-                      <a:r>
-                        <a:rPr lang="en-US" altLang="ko-KR" sz="1100" b="0" i="0" u="none" strike="noStrike" dirty="0">
-                          <a:solidFill>
-                            <a:srgbClr val="000000"/>
-                          </a:solidFill>
-                          <a:effectLst/>
-                          <a:latin typeface="맑은 고딕" panose="020B0503020000020004" pitchFamily="50" charset="-127"/>
-                          <a:ea typeface="+mn-ea"/>
-                        </a:rPr>
-                        <a:t>1</a:t>
-                      </a:r>
-                      <a:endParaRPr lang="ko-KR" altLang="en-US" sz="1100" b="0" i="0" u="none" strike="noStrike" dirty="0">
-                        <a:solidFill>
-                          <a:srgbClr val="000000"/>
-                        </a:solidFill>
-                        <a:effectLst/>
-                        <a:latin typeface="맑은 고딕" panose="020B0503020000020004" pitchFamily="50" charset="-127"/>
-                        <a:ea typeface="+mn-ea"/>
-                      </a:endParaRPr>
-                    </a:p>
-                  </a:txBody>
-                  <a:tcPr marL="9525" marR="9525" marT="9525" marB="0" anchor="ctr"/>
-                </a:tc>
-                <a:tc>
-                  <a:txBody>
-                    <a:bodyPr/>
-                    <a:lstStyle/>
-                    <a:p>
-                      <a:pPr marL="0" marR="0" lvl="0" indent="0" algn="ctr" defTabSz="914400" rtl="0" eaLnBrk="1" fontAlgn="ctr" latinLnBrk="1" hangingPunct="1">
-                        <a:lnSpc>
-                          <a:spcPct val="100000"/>
-                        </a:lnSpc>
-                        <a:spcBef>
-                          <a:spcPts val="0"/>
-                        </a:spcBef>
-                        <a:spcAft>
-                          <a:spcPts val="0"/>
-                        </a:spcAft>
-                        <a:buClrTx/>
-                        <a:buSzTx/>
-                        <a:buFontTx/>
-                        <a:buNone/>
-                        <a:tabLst/>
-                        <a:defRPr/>
-                      </a:pPr>
-                      <a:r>
-                        <a:rPr lang="ko-KR" altLang="en-US" sz="1100" b="0" i="0" u="none" strike="noStrike" dirty="0">
-                          <a:solidFill>
-                            <a:srgbClr val="000000"/>
-                          </a:solidFill>
-                          <a:effectLst/>
-                          <a:latin typeface="맑은 고딕" panose="020B0503020000020004" pitchFamily="50" charset="-127"/>
-                          <a:ea typeface="+mn-ea"/>
-                        </a:rPr>
-                        <a:t>클라우드를 이용한 개발 환경 구축 </a:t>
-                      </a:r>
-                      <a:r>
-                        <a:rPr lang="en-US" altLang="ko-KR" sz="1100" b="0" i="0" u="none" strike="noStrike" dirty="0">
-                          <a:solidFill>
-                            <a:srgbClr val="000000"/>
-                          </a:solidFill>
-                          <a:effectLst/>
-                          <a:latin typeface="맑은 고딕" panose="020B0503020000020004" pitchFamily="50" charset="-127"/>
-                          <a:ea typeface="+mn-ea"/>
-                        </a:rPr>
-                        <a:t>2</a:t>
-                      </a:r>
-                      <a:endParaRPr lang="ko-KR" altLang="en-US" sz="1100" b="0" i="0" u="none" strike="noStrike" dirty="0">
-                        <a:solidFill>
-                          <a:srgbClr val="000000"/>
-                        </a:solidFill>
-                        <a:effectLst/>
-                        <a:latin typeface="맑은 고딕" panose="020B0503020000020004" pitchFamily="50" charset="-127"/>
-                        <a:ea typeface="+mn-ea"/>
-                      </a:endParaRPr>
-                    </a:p>
-                  </a:txBody>
-                  <a:tcPr marL="9525" marR="9525" marT="9525" marB="0" anchor="ctr">
-                    <a:lnT w="12700" cmpd="sng">
-                      <a:noFill/>
-                    </a:lnT>
-                  </a:tcPr>
-                </a:tc>
-                <a:extLst>
-                  <a:ext uri="{0D108BD9-81ED-4DB2-BD59-A6C34878D82A}">
-                    <a16:rowId xmlns:a16="http://schemas.microsoft.com/office/drawing/2014/main" val="2789463766"/>
-                  </a:ext>
-                </a:extLst>
-              </a:tr>
-              <a:tr h="316051">
-                <a:tc>
-                  <a:txBody>
-                    <a:bodyPr/>
-                    <a:lstStyle/>
-                    <a:p>
-                      <a:pPr algn="r" fontAlgn="ctr"/>
-                      <a:r>
-                        <a:rPr lang="en-US" altLang="ko-KR" sz="1100" b="0" i="0" u="none" strike="noStrike" dirty="0">
-                          <a:solidFill>
-                            <a:srgbClr val="000000"/>
-                          </a:solidFill>
-                          <a:effectLst/>
-                          <a:latin typeface="맑은 고딕" panose="020B0503020000020004" pitchFamily="50" charset="-127"/>
-                          <a:ea typeface="맑은 고딕" panose="020B0503020000020004" pitchFamily="50" charset="-127"/>
-                        </a:rPr>
-                        <a:t>11</a:t>
-                      </a:r>
-                    </a:p>
-                  </a:txBody>
-                  <a:tcPr marL="9525" marR="9525" marT="9525" marB="0" anchor="ctr"/>
-                </a:tc>
-                <a:tc>
-                  <a:txBody>
-                    <a:bodyPr/>
-                    <a:lstStyle/>
-                    <a:p>
-                      <a:pPr algn="ctr" fontAlgn="ctr"/>
-                      <a:r>
-                        <a:rPr lang="en-US" altLang="ko-KR" sz="1100" b="0" i="0" u="none" strike="noStrike" dirty="0">
-                          <a:solidFill>
-                            <a:srgbClr val="000000"/>
-                          </a:solidFill>
-                          <a:effectLst/>
-                          <a:latin typeface="맑은 고딕" panose="020B0503020000020004" pitchFamily="50" charset="-127"/>
-                          <a:ea typeface="맑은 고딕" panose="020B0503020000020004" pitchFamily="50" charset="-127"/>
-                        </a:rPr>
-                        <a:t>GitHub</a:t>
-                      </a:r>
-                      <a:r>
-                        <a:rPr lang="ko-KR" altLang="en-US" sz="1100" b="0" i="0" u="none" strike="noStrike" dirty="0">
-                          <a:solidFill>
-                            <a:srgbClr val="000000"/>
-                          </a:solidFill>
-                          <a:effectLst/>
-                          <a:latin typeface="맑은 고딕" panose="020B0503020000020004" pitchFamily="50" charset="-127"/>
-                          <a:ea typeface="맑은 고딕" panose="020B0503020000020004" pitchFamily="50" charset="-127"/>
-                        </a:rPr>
-                        <a:t>를 이용한 협업 </a:t>
-                      </a:r>
-                      <a:r>
-                        <a:rPr lang="en-US" altLang="ko-KR" sz="1100" b="0" i="0" u="none" strike="noStrike" dirty="0">
-                          <a:solidFill>
-                            <a:srgbClr val="000000"/>
-                          </a:solidFill>
-                          <a:effectLst/>
-                          <a:latin typeface="맑은 고딕" panose="020B0503020000020004" pitchFamily="50" charset="-127"/>
-                          <a:ea typeface="맑은 고딕" panose="020B0503020000020004" pitchFamily="50" charset="-127"/>
-                        </a:rPr>
-                        <a:t>1</a:t>
-                      </a:r>
-                    </a:p>
-                  </a:txBody>
-                  <a:tcPr marL="9525" marR="9525" marT="9525" marB="0" anchor="ctr"/>
-                </a:tc>
-                <a:tc>
-                  <a:txBody>
-                    <a:bodyPr/>
-                    <a:lstStyle/>
-                    <a:p>
-                      <a:pPr marL="0" marR="0" lvl="0" indent="0" algn="ctr" defTabSz="914400" rtl="0" eaLnBrk="1" fontAlgn="ctr" latinLnBrk="1" hangingPunct="1">
-                        <a:lnSpc>
-                          <a:spcPct val="100000"/>
-                        </a:lnSpc>
-                        <a:spcBef>
-                          <a:spcPts val="0"/>
-                        </a:spcBef>
-                        <a:spcAft>
-                          <a:spcPts val="0"/>
-                        </a:spcAft>
-                        <a:buClrTx/>
-                        <a:buSzTx/>
-                        <a:buFontTx/>
-                        <a:buNone/>
-                        <a:tabLst/>
-                        <a:defRPr/>
-                      </a:pPr>
-                      <a:r>
-                        <a:rPr lang="en-US" altLang="ko-KR" sz="1100" b="0" i="0" u="none" strike="noStrike" dirty="0">
-                          <a:solidFill>
-                            <a:srgbClr val="000000"/>
-                          </a:solidFill>
-                          <a:effectLst/>
-                          <a:latin typeface="맑은 고딕" panose="020B0503020000020004" pitchFamily="50" charset="-127"/>
-                          <a:ea typeface="+mn-ea"/>
-                        </a:rPr>
-                        <a:t>GitHub</a:t>
-                      </a:r>
-                      <a:r>
-                        <a:rPr lang="ko-KR" altLang="en-US" sz="1100" b="0" i="0" u="none" strike="noStrike" dirty="0">
-                          <a:solidFill>
-                            <a:srgbClr val="000000"/>
-                          </a:solidFill>
-                          <a:effectLst/>
-                          <a:latin typeface="맑은 고딕" panose="020B0503020000020004" pitchFamily="50" charset="-127"/>
-                          <a:ea typeface="+mn-ea"/>
-                        </a:rPr>
-                        <a:t>를 이용한 협업</a:t>
-                      </a:r>
-                      <a:r>
-                        <a:rPr lang="en-US" altLang="ko-KR" sz="1100" b="0" i="0" u="none" strike="noStrike" dirty="0">
-                          <a:solidFill>
-                            <a:srgbClr val="000000"/>
-                          </a:solidFill>
-                          <a:effectLst/>
-                          <a:latin typeface="맑은 고딕" panose="020B0503020000020004" pitchFamily="50" charset="-127"/>
-                          <a:ea typeface="+mn-ea"/>
-                        </a:rPr>
-                        <a:t> 2</a:t>
-                      </a:r>
-                    </a:p>
-                  </a:txBody>
-                  <a:tcPr marL="9525" marR="9525" marT="9525" marB="0" anchor="ctr"/>
-                </a:tc>
-                <a:extLst>
-                  <a:ext uri="{0D108BD9-81ED-4DB2-BD59-A6C34878D82A}">
-                    <a16:rowId xmlns:a16="http://schemas.microsoft.com/office/drawing/2014/main" val="3553160150"/>
-                  </a:ext>
-                </a:extLst>
-              </a:tr>
-              <a:tr h="368604">
-                <a:tc>
-                  <a:txBody>
-                    <a:bodyPr/>
-                    <a:lstStyle/>
-                    <a:p>
-                      <a:pPr algn="r" fontAlgn="ctr"/>
-                      <a:r>
-                        <a:rPr lang="en-US" altLang="ko-KR" sz="1100" b="0" i="0" u="none" strike="noStrike" dirty="0">
-                          <a:solidFill>
-                            <a:srgbClr val="000000"/>
-                          </a:solidFill>
-                          <a:effectLst/>
-                          <a:latin typeface="맑은 고딕" panose="020B0503020000020004" pitchFamily="50" charset="-127"/>
-                          <a:ea typeface="맑은 고딕" panose="020B0503020000020004" pitchFamily="50" charset="-127"/>
-                        </a:rPr>
-                        <a:t>12</a:t>
-                      </a:r>
-                    </a:p>
-                  </a:txBody>
-                  <a:tcPr marL="9525" marR="9525" marT="9525" marB="0" anchor="ctr"/>
-                </a:tc>
-                <a:tc gridSpan="2">
-                  <a:txBody>
-                    <a:bodyPr/>
-                    <a:lstStyle/>
-                    <a:p>
-                      <a:pPr algn="ctr" fontAlgn="ctr"/>
-                      <a:r>
-                        <a:rPr lang="ko-KR" altLang="en-US" sz="1100" b="0" i="0" u="none" strike="noStrike" dirty="0">
-                          <a:solidFill>
-                            <a:srgbClr val="000000"/>
-                          </a:solidFill>
-                          <a:effectLst/>
-                          <a:latin typeface="맑은 고딕" panose="020B0503020000020004" pitchFamily="50" charset="-127"/>
-                          <a:ea typeface="+mn-ea"/>
-                        </a:rPr>
-                        <a:t>개인 프로젝트 </a:t>
-                      </a:r>
-                      <a:r>
-                        <a:rPr lang="en-US" altLang="ko-KR" sz="1100" b="0" i="0" u="none" strike="noStrike" dirty="0">
-                          <a:solidFill>
-                            <a:srgbClr val="000000"/>
-                          </a:solidFill>
-                          <a:effectLst/>
-                          <a:latin typeface="맑은 고딕" panose="020B0503020000020004" pitchFamily="50" charset="-127"/>
-                          <a:ea typeface="+mn-ea"/>
-                        </a:rPr>
-                        <a:t>2: </a:t>
-                      </a:r>
-                      <a:r>
-                        <a:rPr lang="ko-KR" altLang="en-US" sz="1100" b="0" i="0" u="none" strike="noStrike" dirty="0">
-                          <a:solidFill>
-                            <a:srgbClr val="000000"/>
-                          </a:solidFill>
-                          <a:effectLst/>
-                          <a:latin typeface="맑은 고딕" panose="020B0503020000020004" pitchFamily="50" charset="-127"/>
-                          <a:ea typeface="+mn-ea"/>
-                        </a:rPr>
-                        <a:t>대상 프로젝트 코드 분석 결과 발표 및 기능 구현 방향</a:t>
-                      </a:r>
-                      <a:r>
-                        <a:rPr lang="en-US" altLang="ko-KR" sz="1100" b="0" i="0" u="none" strike="noStrike" dirty="0">
-                          <a:solidFill>
-                            <a:srgbClr val="000000"/>
-                          </a:solidFill>
-                          <a:effectLst/>
-                          <a:latin typeface="맑은 고딕" panose="020B0503020000020004" pitchFamily="50" charset="-127"/>
-                          <a:ea typeface="+mn-ea"/>
-                        </a:rPr>
-                        <a:t>, </a:t>
-                      </a:r>
-                      <a:r>
-                        <a:rPr lang="ko-KR" altLang="en-US" sz="1100" b="0" i="0" u="none" strike="noStrike" dirty="0">
-                          <a:solidFill>
-                            <a:srgbClr val="000000"/>
-                          </a:solidFill>
-                          <a:effectLst/>
-                          <a:latin typeface="맑은 고딕" panose="020B0503020000020004" pitchFamily="50" charset="-127"/>
-                          <a:ea typeface="+mn-ea"/>
-                        </a:rPr>
-                        <a:t>커뮤니티 참여 방안 발표 및 피드백</a:t>
-                      </a:r>
-                      <a:endParaRPr lang="en-US" altLang="ko-KR" sz="1100" b="0" i="0" u="none" strike="noStrike" dirty="0">
-                        <a:solidFill>
-                          <a:srgbClr val="000000"/>
-                        </a:solidFill>
-                        <a:effectLst/>
-                        <a:latin typeface="맑은 고딕" panose="020B0503020000020004" pitchFamily="50" charset="-127"/>
-                        <a:ea typeface="+mn-ea"/>
-                      </a:endParaRPr>
-                    </a:p>
-                  </a:txBody>
-                  <a:tcPr marL="9525" marR="9525" marT="9525" marB="0" anchor="ctr">
-                    <a:solidFill>
-                      <a:schemeClr val="accent4"/>
-                    </a:solidFill>
-                  </a:tcPr>
-                </a:tc>
-                <a:tc hMerge="1">
-                  <a:txBody>
-                    <a:bodyPr/>
-                    <a:lstStyle/>
-                    <a:p>
-                      <a:pPr algn="ctr" fontAlgn="ctr"/>
-                      <a:endParaRPr lang="en-US" altLang="ko-KR" sz="1100" b="0" i="0" u="none" strike="noStrike" dirty="0">
-                        <a:solidFill>
-                          <a:srgbClr val="000000"/>
-                        </a:solidFill>
-                        <a:effectLst/>
-                        <a:latin typeface="맑은 고딕" panose="020B0503020000020004" pitchFamily="50" charset="-127"/>
-                        <a:ea typeface="+mn-ea"/>
-                      </a:endParaRPr>
-                    </a:p>
-                  </a:txBody>
-                  <a:tcPr marL="9525" marR="9525" marT="9525" marB="0" anchor="ctr">
-                    <a:solidFill>
-                      <a:schemeClr val="accent4"/>
-                    </a:solidFill>
-                  </a:tcPr>
-                </a:tc>
-                <a:extLst>
-                  <a:ext uri="{0D108BD9-81ED-4DB2-BD59-A6C34878D82A}">
-                    <a16:rowId xmlns:a16="http://schemas.microsoft.com/office/drawing/2014/main" val="1308666071"/>
-                  </a:ext>
-                </a:extLst>
-              </a:tr>
-              <a:tr h="316051">
-                <a:tc>
-                  <a:txBody>
-                    <a:bodyPr/>
-                    <a:lstStyle/>
-                    <a:p>
-                      <a:pPr algn="r" fontAlgn="ctr"/>
-                      <a:r>
-                        <a:rPr lang="en-US" altLang="ko-KR" sz="1100" b="0" i="0" u="none" strike="noStrike" dirty="0">
-                          <a:solidFill>
-                            <a:srgbClr val="000000"/>
-                          </a:solidFill>
-                          <a:effectLst/>
-                          <a:latin typeface="맑은 고딕" panose="020B0503020000020004" pitchFamily="50" charset="-127"/>
-                          <a:ea typeface="맑은 고딕" panose="020B0503020000020004" pitchFamily="50" charset="-127"/>
-                        </a:rPr>
-                        <a:t>13 (11/25)</a:t>
-                      </a:r>
-                    </a:p>
-                  </a:txBody>
-                  <a:tcPr marL="9525" marR="9525" marT="9525" marB="0" anchor="ctr"/>
-                </a:tc>
-                <a:tc>
-                  <a:txBody>
-                    <a:bodyPr/>
-                    <a:lstStyle/>
-                    <a:p>
-                      <a:pPr marL="0" marR="0" lvl="0" indent="0" algn="ctr" defTabSz="914400" rtl="0" eaLnBrk="1" fontAlgn="ctr" latinLnBrk="1" hangingPunct="1">
-                        <a:lnSpc>
-                          <a:spcPct val="100000"/>
-                        </a:lnSpc>
-                        <a:spcBef>
-                          <a:spcPts val="0"/>
-                        </a:spcBef>
-                        <a:spcAft>
-                          <a:spcPts val="0"/>
-                        </a:spcAft>
-                        <a:buClrTx/>
-                        <a:buSzTx/>
-                        <a:buFontTx/>
-                        <a:buNone/>
-                        <a:tabLst/>
-                        <a:defRPr/>
-                      </a:pPr>
-                      <a:r>
-                        <a:rPr lang="ko-KR" altLang="en-US" sz="1100" b="0" i="0" u="none" strike="noStrike" dirty="0">
-                          <a:solidFill>
-                            <a:srgbClr val="000000"/>
-                          </a:solidFill>
-                          <a:effectLst/>
-                          <a:latin typeface="맑은 고딕" panose="020B0503020000020004" pitchFamily="50" charset="-127"/>
-                          <a:ea typeface="+mn-ea"/>
-                        </a:rPr>
-                        <a:t>코드 리뷰</a:t>
-                      </a:r>
-                    </a:p>
-                  </a:txBody>
-                  <a:tcPr marL="9525" marR="9525" marT="9525" marB="0" anchor="ctr"/>
-                </a:tc>
-                <a:tc>
-                  <a:txBody>
-                    <a:bodyPr/>
-                    <a:lstStyle/>
-                    <a:p>
-                      <a:pPr marL="0" marR="0" lvl="0" indent="0" algn="ctr" defTabSz="914400" rtl="0" eaLnBrk="1" fontAlgn="ctr" latinLnBrk="1" hangingPunct="1">
-                        <a:lnSpc>
-                          <a:spcPct val="100000"/>
-                        </a:lnSpc>
-                        <a:spcBef>
-                          <a:spcPts val="0"/>
-                        </a:spcBef>
-                        <a:spcAft>
-                          <a:spcPts val="0"/>
-                        </a:spcAft>
-                        <a:buClrTx/>
-                        <a:buSzTx/>
-                        <a:buFontTx/>
-                        <a:buNone/>
-                        <a:tabLst/>
-                        <a:defRPr/>
-                      </a:pPr>
-                      <a:r>
-                        <a:rPr lang="en-US" altLang="ko-KR" sz="1100" b="0" i="0" u="none" strike="noStrike" dirty="0">
-                          <a:solidFill>
-                            <a:srgbClr val="000000"/>
-                          </a:solidFill>
-                          <a:effectLst/>
-                          <a:latin typeface="맑은 고딕" panose="020B0503020000020004" pitchFamily="50" charset="-127"/>
-                          <a:ea typeface="+mn-ea"/>
-                        </a:rPr>
-                        <a:t>CI/CD </a:t>
-                      </a:r>
-                      <a:r>
-                        <a:rPr lang="ko-KR" altLang="en-US" sz="1100" b="0" i="0" u="none" strike="noStrike" dirty="0">
-                          <a:solidFill>
-                            <a:srgbClr val="000000"/>
-                          </a:solidFill>
-                          <a:effectLst/>
-                          <a:latin typeface="맑은 고딕" panose="020B0503020000020004" pitchFamily="50" charset="-127"/>
-                          <a:ea typeface="+mn-ea"/>
-                        </a:rPr>
-                        <a:t>구축</a:t>
-                      </a:r>
-                    </a:p>
-                  </a:txBody>
-                  <a:tcPr marL="9525" marR="9525" marT="9525" marB="0" anchor="ctr"/>
-                </a:tc>
-                <a:extLst>
-                  <a:ext uri="{0D108BD9-81ED-4DB2-BD59-A6C34878D82A}">
-                    <a16:rowId xmlns:a16="http://schemas.microsoft.com/office/drawing/2014/main" val="3193302293"/>
-                  </a:ext>
-                </a:extLst>
-              </a:tr>
-              <a:tr h="316051">
-                <a:tc>
-                  <a:txBody>
-                    <a:bodyPr/>
-                    <a:lstStyle/>
-                    <a:p>
-                      <a:pPr algn="r" fontAlgn="ctr"/>
-                      <a:r>
-                        <a:rPr lang="en-US" altLang="ko-KR" sz="1100" b="0" i="0" u="none" strike="noStrike" dirty="0">
-                          <a:solidFill>
-                            <a:srgbClr val="000000"/>
-                          </a:solidFill>
-                          <a:effectLst/>
-                          <a:latin typeface="맑은 고딕" panose="020B0503020000020004" pitchFamily="50" charset="-127"/>
-                          <a:ea typeface="맑은 고딕" panose="020B0503020000020004" pitchFamily="50" charset="-127"/>
-                        </a:rPr>
-                        <a:t>14</a:t>
-                      </a:r>
-                    </a:p>
-                  </a:txBody>
-                  <a:tcPr marL="9525" marR="9525" marT="9525" marB="0" anchor="ctr"/>
-                </a:tc>
-                <a:tc gridSpan="2">
-                  <a:txBody>
-                    <a:bodyPr/>
-                    <a:lstStyle/>
-                    <a:p>
-                      <a:pPr marL="0" marR="0" lvl="0" indent="0" algn="ctr" defTabSz="914400" rtl="0" eaLnBrk="1" fontAlgn="ctr" latinLnBrk="1" hangingPunct="1">
-                        <a:lnSpc>
-                          <a:spcPct val="100000"/>
-                        </a:lnSpc>
-                        <a:spcBef>
-                          <a:spcPts val="0"/>
-                        </a:spcBef>
-                        <a:spcAft>
-                          <a:spcPts val="0"/>
-                        </a:spcAft>
-                        <a:buClrTx/>
-                        <a:buSzTx/>
-                        <a:buFontTx/>
-                        <a:buNone/>
-                        <a:tabLst/>
-                        <a:defRPr/>
-                      </a:pPr>
-                      <a:r>
-                        <a:rPr lang="ko-KR" altLang="en-US" sz="1100" b="0" i="0" u="none" strike="noStrike" dirty="0">
-                          <a:solidFill>
-                            <a:srgbClr val="000000"/>
-                          </a:solidFill>
-                          <a:effectLst/>
-                          <a:latin typeface="맑은 고딕" panose="020B0503020000020004" pitchFamily="50" charset="-127"/>
-                          <a:ea typeface="+mn-ea"/>
-                        </a:rPr>
-                        <a:t>개별 프로젝트 진행</a:t>
-                      </a:r>
-                      <a:endParaRPr lang="en-US" sz="1100" b="0" i="0" u="none" strike="noStrike" dirty="0">
-                        <a:solidFill>
-                          <a:srgbClr val="000000"/>
-                        </a:solidFill>
-                        <a:effectLst/>
-                        <a:latin typeface="맑은 고딕" panose="020B0503020000020004" pitchFamily="50" charset="-127"/>
-                        <a:ea typeface="맑은 고딕" panose="020B0503020000020004" pitchFamily="50" charset="-127"/>
-                      </a:endParaRPr>
-                    </a:p>
-                  </a:txBody>
-                  <a:tcPr marL="9525" marR="9525" marT="9525" marB="0" anchor="ctr"/>
-                </a:tc>
-                <a:tc hMerge="1">
-                  <a:txBody>
-                    <a:bodyPr/>
-                    <a:lstStyle/>
-                    <a:p>
-                      <a:pPr algn="ctr" fontAlgn="ctr"/>
-                      <a:endParaRPr lang="en-US" sz="1100" b="0" i="0" u="none" strike="noStrike" dirty="0">
-                        <a:solidFill>
-                          <a:srgbClr val="000000"/>
-                        </a:solidFill>
-                        <a:effectLst/>
-                        <a:latin typeface="맑은 고딕" panose="020B0503020000020004" pitchFamily="50" charset="-127"/>
-                        <a:ea typeface="맑은 고딕" panose="020B0503020000020004" pitchFamily="50" charset="-127"/>
-                      </a:endParaRPr>
-                    </a:p>
-                  </a:txBody>
-                  <a:tcPr marL="9525" marR="9525" marT="9525" marB="0" anchor="ctr"/>
-                </a:tc>
-                <a:extLst>
-                  <a:ext uri="{0D108BD9-81ED-4DB2-BD59-A6C34878D82A}">
-                    <a16:rowId xmlns:a16="http://schemas.microsoft.com/office/drawing/2014/main" val="1928419577"/>
-                  </a:ext>
-                </a:extLst>
-              </a:tr>
-              <a:tr h="316051">
-                <a:tc>
-                  <a:txBody>
-                    <a:bodyPr/>
-                    <a:lstStyle/>
-                    <a:p>
-                      <a:pPr algn="r" fontAlgn="ctr"/>
-                      <a:r>
-                        <a:rPr lang="en-US" altLang="ko-KR" sz="1100" b="0" i="0" u="none" strike="noStrike" dirty="0">
-                          <a:solidFill>
-                            <a:srgbClr val="000000"/>
-                          </a:solidFill>
-                          <a:effectLst/>
-                          <a:latin typeface="맑은 고딕" panose="020B0503020000020004" pitchFamily="50" charset="-127"/>
-                          <a:ea typeface="맑은 고딕" panose="020B0503020000020004" pitchFamily="50" charset="-127"/>
-                        </a:rPr>
-                        <a:t>15 (12/9)</a:t>
-                      </a:r>
-                    </a:p>
-                  </a:txBody>
-                  <a:tcPr marL="9525" marR="9525" marT="9525" marB="0" anchor="ctr"/>
-                </a:tc>
-                <a:tc gridSpan="2">
-                  <a:txBody>
-                    <a:bodyPr/>
-                    <a:lstStyle/>
-                    <a:p>
-                      <a:pPr marL="0" marR="0" lvl="0" indent="0" algn="ctr" defTabSz="914400" rtl="0" eaLnBrk="1" fontAlgn="ctr" latinLnBrk="1" hangingPunct="1">
-                        <a:lnSpc>
-                          <a:spcPct val="100000"/>
-                        </a:lnSpc>
-                        <a:spcBef>
-                          <a:spcPts val="0"/>
-                        </a:spcBef>
-                        <a:spcAft>
-                          <a:spcPts val="0"/>
-                        </a:spcAft>
-                        <a:buClrTx/>
-                        <a:buSzTx/>
-                        <a:buFontTx/>
-                        <a:buNone/>
-                        <a:tabLst/>
-                        <a:defRPr/>
-                      </a:pPr>
-                      <a:r>
-                        <a:rPr lang="ko-KR" altLang="en-US" sz="1100" b="0" i="0" u="none" strike="noStrike" dirty="0">
-                          <a:solidFill>
-                            <a:srgbClr val="000000"/>
-                          </a:solidFill>
-                          <a:effectLst/>
-                          <a:latin typeface="맑은 고딕" panose="020B0503020000020004" pitchFamily="50" charset="-127"/>
-                          <a:ea typeface="+mn-ea"/>
-                        </a:rPr>
-                        <a:t>개인 프로젝트 </a:t>
-                      </a:r>
-                      <a:r>
-                        <a:rPr lang="en-US" altLang="ko-KR" sz="1100" b="0" i="0" u="none" strike="noStrike" dirty="0">
-                          <a:solidFill>
-                            <a:srgbClr val="000000"/>
-                          </a:solidFill>
-                          <a:effectLst/>
-                          <a:latin typeface="맑은 고딕" panose="020B0503020000020004" pitchFamily="50" charset="-127"/>
-                          <a:ea typeface="+mn-ea"/>
-                        </a:rPr>
-                        <a:t>3: </a:t>
-                      </a:r>
-                      <a:r>
-                        <a:rPr lang="ko-KR" altLang="en-US" sz="1100" b="0" i="0" u="none" strike="noStrike" dirty="0">
-                          <a:solidFill>
-                            <a:srgbClr val="000000"/>
-                          </a:solidFill>
-                          <a:effectLst/>
-                          <a:latin typeface="맑은 고딕" panose="020B0503020000020004" pitchFamily="50" charset="-127"/>
-                          <a:ea typeface="+mn-ea"/>
-                        </a:rPr>
-                        <a:t>최종 프로젝트 발표</a:t>
-                      </a:r>
-                      <a:r>
-                        <a:rPr lang="en-US" altLang="ko-KR" sz="1100" b="0" i="0" u="none" strike="noStrike" dirty="0">
-                          <a:solidFill>
-                            <a:srgbClr val="000000"/>
-                          </a:solidFill>
-                          <a:effectLst/>
-                          <a:latin typeface="맑은 고딕" panose="020B0503020000020004" pitchFamily="50" charset="-127"/>
-                          <a:ea typeface="+mn-ea"/>
-                        </a:rPr>
-                        <a:t>, </a:t>
-                      </a:r>
-                      <a:r>
-                        <a:rPr lang="ko-KR" altLang="en-US" sz="1100" b="0" i="0" u="none" strike="noStrike" dirty="0">
-                          <a:solidFill>
-                            <a:srgbClr val="000000"/>
-                          </a:solidFill>
-                          <a:effectLst/>
-                          <a:latin typeface="맑은 고딕" panose="020B0503020000020004" pitchFamily="50" charset="-127"/>
-                          <a:ea typeface="+mn-ea"/>
-                        </a:rPr>
-                        <a:t>기능 구현 소개 및 시연</a:t>
-                      </a:r>
-                      <a:r>
-                        <a:rPr lang="en-US" altLang="ko-KR" sz="1100" b="0" i="0" u="none" strike="noStrike" dirty="0">
-                          <a:solidFill>
-                            <a:srgbClr val="000000"/>
-                          </a:solidFill>
-                          <a:effectLst/>
-                          <a:latin typeface="맑은 고딕" panose="020B0503020000020004" pitchFamily="50" charset="-127"/>
-                          <a:ea typeface="+mn-ea"/>
-                        </a:rPr>
-                        <a:t>, OSS </a:t>
-                      </a:r>
-                      <a:r>
-                        <a:rPr lang="ko-KR" altLang="en-US" sz="1100" b="0" i="0" u="none" strike="noStrike" dirty="0">
-                          <a:solidFill>
-                            <a:srgbClr val="000000"/>
-                          </a:solidFill>
-                          <a:effectLst/>
-                          <a:latin typeface="맑은 고딕" panose="020B0503020000020004" pitchFamily="50" charset="-127"/>
-                          <a:ea typeface="+mn-ea"/>
-                        </a:rPr>
-                        <a:t>커뮤니티 활동 소개</a:t>
-                      </a:r>
-                    </a:p>
-                  </a:txBody>
-                  <a:tcPr marL="9525" marR="9525" marT="9525" marB="0" anchor="ctr">
-                    <a:solidFill>
-                      <a:schemeClr val="accent4"/>
-                    </a:solidFill>
-                  </a:tcPr>
-                </a:tc>
-                <a:tc hMerge="1">
-                  <a:txBody>
-                    <a:bodyPr/>
-                    <a:lstStyle/>
-                    <a:p>
-                      <a:pPr algn="ctr" fontAlgn="ctr"/>
-                      <a:endParaRPr lang="ko-KR" altLang="en-US" sz="1100" b="0" i="0" u="none" strike="noStrike" dirty="0">
-                        <a:solidFill>
-                          <a:srgbClr val="000000"/>
-                        </a:solidFill>
-                        <a:effectLst/>
-                        <a:latin typeface="맑은 고딕" panose="020B0503020000020004" pitchFamily="50" charset="-127"/>
-                        <a:ea typeface="맑은 고딕" panose="020B0503020000020004" pitchFamily="50" charset="-127"/>
-                      </a:endParaRPr>
-                    </a:p>
-                  </a:txBody>
-                  <a:tcPr marL="9525" marR="9525" marT="9525" marB="0" anchor="ctr"/>
-                </a:tc>
-                <a:extLst>
-                  <a:ext uri="{0D108BD9-81ED-4DB2-BD59-A6C34878D82A}">
-                    <a16:rowId xmlns:a16="http://schemas.microsoft.com/office/drawing/2014/main" val="676618592"/>
-                  </a:ext>
-                </a:extLst>
-              </a:tr>
-            </a:tbl>
-          </a:graphicData>
-        </a:graphic>
-      </p:graphicFrame>
-      <p:sp>
-        <p:nvSpPr>
-          <p:cNvPr id="3" name="슬라이드 번호 개체 틀 2"/>
+          </p:nvPr>
+        </p:nvSpPr>
+        <p:spPr>
+          <a:xfrm>
+            <a:off x="395536" y="1058566"/>
+            <a:ext cx="8596786" cy="5269953"/>
+          </a:xfrm>
+        </p:spPr>
+        <p:txBody>
+          <a:bodyPr/>
+          <a:lstStyle/>
+          <a:p>
+            <a:r>
+              <a:rPr lang="ko-KR" altLang="en-US" sz="1800" dirty="0"/>
+              <a:t>제출</a:t>
+            </a:r>
+            <a:r>
+              <a:rPr lang="en-US" altLang="ko-KR" sz="1800" dirty="0"/>
+              <a:t>: </a:t>
+            </a:r>
+            <a:r>
+              <a:rPr lang="ko-KR" altLang="en-US" sz="1800" dirty="0"/>
+              <a:t>하나의 </a:t>
+            </a:r>
+            <a:r>
+              <a:rPr lang="en-US" altLang="ko-KR" sz="1800" dirty="0"/>
+              <a:t>ppt</a:t>
+            </a:r>
+            <a:r>
+              <a:rPr lang="ko-KR" altLang="en-US" sz="1800" dirty="0"/>
+              <a:t>에 각 캡처 파일을 넣은 후</a:t>
+            </a:r>
+            <a:r>
+              <a:rPr lang="en-US" altLang="ko-KR" sz="1800" dirty="0"/>
+              <a:t>, </a:t>
+            </a:r>
+            <a:r>
+              <a:rPr lang="en-US" altLang="ko-KR" sz="1800" dirty="0">
+                <a:solidFill>
+                  <a:srgbClr val="FF0000"/>
+                </a:solidFill>
+              </a:rPr>
+              <a:t>PDF </a:t>
+            </a:r>
+            <a:r>
+              <a:rPr lang="ko-KR" altLang="en-US" sz="1800" dirty="0">
+                <a:solidFill>
+                  <a:srgbClr val="FF0000"/>
+                </a:solidFill>
+              </a:rPr>
+              <a:t>파일</a:t>
+            </a:r>
+            <a:r>
+              <a:rPr lang="ko-KR" altLang="en-US" sz="1800" dirty="0"/>
+              <a:t>로 변환해 </a:t>
+            </a:r>
+            <a:r>
+              <a:rPr lang="en-US" altLang="ko-KR" sz="1800" dirty="0"/>
+              <a:t>LMS </a:t>
+            </a:r>
+            <a:r>
+              <a:rPr lang="ko-KR" altLang="en-US" sz="1800" dirty="0"/>
+              <a:t>제출</a:t>
+            </a:r>
+            <a:endParaRPr lang="en-US" altLang="ko-KR" sz="1800" dirty="0"/>
+          </a:p>
+          <a:p>
+            <a:r>
+              <a:rPr lang="en-US" altLang="ko-KR" sz="1800" dirty="0"/>
+              <a:t>Lookup references: </a:t>
+            </a:r>
+            <a:r>
+              <a:rPr lang="en-US" altLang="ko-KR" sz="1800" dirty="0" err="1"/>
+              <a:t>addnum</a:t>
+            </a:r>
+            <a:r>
+              <a:rPr lang="en-US" altLang="ko-KR" sz="1800" dirty="0"/>
+              <a:t>() (page #2)</a:t>
+            </a:r>
+          </a:p>
+          <a:p>
+            <a:r>
+              <a:rPr lang="en-US" altLang="ko-KR" sz="1800" dirty="0"/>
+              <a:t>Jump to caller: </a:t>
+            </a:r>
+            <a:r>
+              <a:rPr lang="en-US" altLang="ko-KR" sz="1800" dirty="0" err="1"/>
+              <a:t>addnum</a:t>
+            </a:r>
+            <a:r>
+              <a:rPr lang="en-US" altLang="ko-KR" sz="1800" dirty="0"/>
+              <a:t>() (page #3)</a:t>
+            </a:r>
+          </a:p>
+          <a:p>
+            <a:r>
+              <a:rPr lang="en-US" altLang="ko-KR" sz="1800" dirty="0"/>
+              <a:t>Relation window: </a:t>
+            </a:r>
+            <a:r>
+              <a:rPr lang="en-US" altLang="ko-KR" sz="1800" dirty="0" err="1"/>
+              <a:t>addnum</a:t>
+            </a:r>
+            <a:r>
+              <a:rPr lang="en-US" altLang="ko-KR" sz="1800" dirty="0"/>
+              <a:t>() (page #4)</a:t>
+            </a:r>
+          </a:p>
+          <a:p>
+            <a:r>
+              <a:rPr lang="en-US" altLang="ko-KR" sz="1800" dirty="0"/>
+              <a:t>Highlight word: </a:t>
+            </a:r>
+            <a:r>
+              <a:rPr lang="en-US" altLang="ko-KR" sz="1800" dirty="0" err="1"/>
+              <a:t>cdigit</a:t>
+            </a:r>
+            <a:r>
+              <a:rPr lang="en-US" altLang="ko-KR" sz="1800" dirty="0"/>
+              <a:t> (page #5)</a:t>
+            </a:r>
+          </a:p>
+          <a:p>
+            <a:r>
+              <a:rPr lang="ko-KR" altLang="en-US" sz="1800" dirty="0"/>
+              <a:t>기한</a:t>
+            </a:r>
+            <a:r>
+              <a:rPr lang="en-US" altLang="ko-KR" sz="1800" dirty="0"/>
+              <a:t>: 11/16 (</a:t>
+            </a:r>
+            <a:r>
+              <a:rPr lang="ko-KR" altLang="en-US" sz="1800" dirty="0"/>
+              <a:t>월</a:t>
+            </a:r>
+            <a:r>
+              <a:rPr lang="en-US" altLang="ko-KR" sz="1800" dirty="0"/>
+              <a:t>)</a:t>
+            </a:r>
+            <a:r>
+              <a:rPr lang="ko-KR" altLang="en-US" sz="1800" dirty="0"/>
+              <a:t> </a:t>
+            </a:r>
+            <a:r>
+              <a:rPr lang="en-US" altLang="ko-KR" sz="1800" dirty="0"/>
+              <a:t>23:59</a:t>
+            </a:r>
+          </a:p>
+          <a:p>
+            <a:pPr lvl="1"/>
+            <a:r>
+              <a:rPr lang="ko-KR" altLang="en-US" sz="1600" dirty="0"/>
+              <a:t>지각 감점</a:t>
+            </a:r>
+            <a:r>
+              <a:rPr lang="en-US" altLang="ko-KR" sz="1600" dirty="0"/>
+              <a:t>: 5%p / 12H</a:t>
+            </a:r>
+          </a:p>
+          <a:p>
+            <a:pPr lvl="1"/>
+            <a:r>
+              <a:rPr lang="en-US" altLang="ko-KR" sz="1600" dirty="0"/>
+              <a:t>1</a:t>
+            </a:r>
+            <a:r>
+              <a:rPr lang="ko-KR" altLang="en-US" sz="1600" dirty="0"/>
+              <a:t>주 이후 제출 차단</a:t>
+            </a:r>
+            <a:endParaRPr lang="en-US" altLang="ko-KR" sz="1600" dirty="0"/>
+          </a:p>
+          <a:p>
+            <a:endParaRPr lang="ko-KR" altLang="en-US" sz="1800" dirty="0"/>
+          </a:p>
+        </p:txBody>
+      </p:sp>
+      <p:sp>
+        <p:nvSpPr>
+          <p:cNvPr id="4" name="슬라이드 번호 개체 틀 3">
+            <a:extLst>
+              <a:ext uri="{FF2B5EF4-FFF2-40B4-BE49-F238E27FC236}">
+                <a16:creationId xmlns:a16="http://schemas.microsoft.com/office/drawing/2014/main" id="{77DDB07E-1E97-443E-8AA0-A95F399E88D2}"/>
+              </a:ext>
+            </a:extLst>
+          </p:cNvPr>
           <p:cNvSpPr>
             <a:spLocks noGrp="1"/>
           </p:cNvSpPr>
@@ -8022,6 +6269,7 @@
           <a:p>
             <a:fld id="{64F0D409-D3F6-4EEC-8C77-1F5E89989FFB}" type="slidenum">
               <a:rPr lang="ko-KR" altLang="en-US" smtClean="0"/>
+              <a:pPr/>
               <a:t>2</a:t>
             </a:fld>
             <a:endParaRPr lang="ko-KR" altLang="en-US"/>
@@ -8031,7 +6279,7 @@
     </p:spTree>
     <p:extLst>
       <p:ext uri="{BB962C8B-B14F-4D97-AF65-F5344CB8AC3E}">
-        <p14:creationId xmlns:p14="http://schemas.microsoft.com/office/powerpoint/2010/main" val="2479531008"/>
+        <p14:creationId xmlns:p14="http://schemas.microsoft.com/office/powerpoint/2010/main" val="3724260369"/>
       </p:ext>
     </p:extLst>
   </p:cSld>
